--- a/Presentation/Entelect Software PowerPoint Template.pptx
+++ b/Presentation/Entelect Software PowerPoint Template.pptx
@@ -5,17 +5,18 @@
     <p:sldMasterId id="2147483648" r:id="rId1"/>
   </p:sldMasterIdLst>
   <p:notesMasterIdLst>
-    <p:notesMasterId r:id="rId7"/>
+    <p:notesMasterId r:id="rId8"/>
   </p:notesMasterIdLst>
   <p:handoutMasterIdLst>
-    <p:handoutMasterId r:id="rId8"/>
+    <p:handoutMasterId r:id="rId9"/>
   </p:handoutMasterIdLst>
   <p:sldIdLst>
     <p:sldId id="280" r:id="rId2"/>
     <p:sldId id="276" r:id="rId3"/>
     <p:sldId id="281" r:id="rId4"/>
     <p:sldId id="282" r:id="rId5"/>
-    <p:sldId id="283" r:id="rId6"/>
+    <p:sldId id="284" r:id="rId6"/>
+    <p:sldId id="283" r:id="rId7"/>
   </p:sldIdLst>
   <p:sldSz cx="9144000" cy="5715000" type="screen16x10"/>
   <p:notesSz cx="6858000" cy="9144000"/>
@@ -2546,13 +2547,13 @@
     </dgm:pt>
   </dgm:ptLst>
   <dgm:cxnLst>
+    <dgm:cxn modelId="{78F1289D-0895-400E-BFDD-78E43443AABA}" srcId="{35D47470-0FD7-4133-B740-74831292C924}" destId="{A46681BF-A093-4E3E-B7A0-21A5938050DB}" srcOrd="2" destOrd="0" parTransId="{443AAE47-3654-4BA8-BE7F-C9BE000BB600}" sibTransId="{5A6C7050-6924-400B-8A62-073441906060}"/>
+    <dgm:cxn modelId="{B6CC4CE2-011D-42D0-9370-EFB2414E634D}" type="presOf" srcId="{4841083F-08D3-47DD-A8E8-267782C6723D}" destId="{11213F88-EBEF-4352-8306-B20F98BA7EAC}" srcOrd="0" destOrd="0" presId="urn:microsoft.com/office/officeart/2005/8/layout/hChevron3"/>
+    <dgm:cxn modelId="{DB786B06-AEB4-4398-AD36-28BBA13E3FEC}" srcId="{35D47470-0FD7-4133-B740-74831292C924}" destId="{D21015E4-6708-42DC-AF8F-76D7FBD120DF}" srcOrd="0" destOrd="0" parTransId="{E73A7304-C422-4D9F-BBE3-455F44027508}" sibTransId="{AB6CD1EF-F4DD-4E19-8ACA-3CB5BF97F1D2}"/>
+    <dgm:cxn modelId="{36353D90-1FB5-4410-909A-B975EC8F7573}" type="presOf" srcId="{D21015E4-6708-42DC-AF8F-76D7FBD120DF}" destId="{DB55DBEA-E90F-4606-A63E-8B51F80AE104}" srcOrd="0" destOrd="0" presId="urn:microsoft.com/office/officeart/2005/8/layout/hChevron3"/>
     <dgm:cxn modelId="{2A84C879-357F-40C8-8090-01D73CA26A81}" type="presOf" srcId="{35D47470-0FD7-4133-B740-74831292C924}" destId="{D8287DBF-0CFB-41E3-ADAF-20D15C2342ED}" srcOrd="0" destOrd="0" presId="urn:microsoft.com/office/officeart/2005/8/layout/hChevron3"/>
-    <dgm:cxn modelId="{36353D90-1FB5-4410-909A-B975EC8F7573}" type="presOf" srcId="{D21015E4-6708-42DC-AF8F-76D7FBD120DF}" destId="{DB55DBEA-E90F-4606-A63E-8B51F80AE104}" srcOrd="0" destOrd="0" presId="urn:microsoft.com/office/officeart/2005/8/layout/hChevron3"/>
     <dgm:cxn modelId="{5C5C2D64-E423-4C1E-AB1F-DA04555C7AB4}" srcId="{35D47470-0FD7-4133-B740-74831292C924}" destId="{4841083F-08D3-47DD-A8E8-267782C6723D}" srcOrd="1" destOrd="0" parTransId="{30475B64-B1F7-4A16-8E95-85C715F4F490}" sibTransId="{83161C6C-A8C7-411B-BB22-F7CD9F1342E1}"/>
-    <dgm:cxn modelId="{B6CC4CE2-011D-42D0-9370-EFB2414E634D}" type="presOf" srcId="{4841083F-08D3-47DD-A8E8-267782C6723D}" destId="{11213F88-EBEF-4352-8306-B20F98BA7EAC}" srcOrd="0" destOrd="0" presId="urn:microsoft.com/office/officeart/2005/8/layout/hChevron3"/>
     <dgm:cxn modelId="{50648B61-4FA5-49AA-B131-9E51B1AD1616}" type="presOf" srcId="{A46681BF-A093-4E3E-B7A0-21A5938050DB}" destId="{76CA8ECE-C01D-466F-98BD-60D79D2F630A}" srcOrd="0" destOrd="0" presId="urn:microsoft.com/office/officeart/2005/8/layout/hChevron3"/>
-    <dgm:cxn modelId="{DB786B06-AEB4-4398-AD36-28BBA13E3FEC}" srcId="{35D47470-0FD7-4133-B740-74831292C924}" destId="{D21015E4-6708-42DC-AF8F-76D7FBD120DF}" srcOrd="0" destOrd="0" parTransId="{E73A7304-C422-4D9F-BBE3-455F44027508}" sibTransId="{AB6CD1EF-F4DD-4E19-8ACA-3CB5BF97F1D2}"/>
-    <dgm:cxn modelId="{78F1289D-0895-400E-BFDD-78E43443AABA}" srcId="{35D47470-0FD7-4133-B740-74831292C924}" destId="{A46681BF-A093-4E3E-B7A0-21A5938050DB}" srcOrd="2" destOrd="0" parTransId="{443AAE47-3654-4BA8-BE7F-C9BE000BB600}" sibTransId="{5A6C7050-6924-400B-8A62-073441906060}"/>
     <dgm:cxn modelId="{0507BB44-ACE7-4D8C-84F1-47BF51061495}" type="presParOf" srcId="{D8287DBF-0CFB-41E3-ADAF-20D15C2342ED}" destId="{DB55DBEA-E90F-4606-A63E-8B51F80AE104}" srcOrd="0" destOrd="0" presId="urn:microsoft.com/office/officeart/2005/8/layout/hChevron3"/>
     <dgm:cxn modelId="{5587BCA5-4C15-497F-9F49-E85E3702F11F}" type="presParOf" srcId="{D8287DBF-0CFB-41E3-ADAF-20D15C2342ED}" destId="{6C8E69C6-8F63-45FB-82D6-3AC158A3D5B2}" srcOrd="1" destOrd="0" presId="urn:microsoft.com/office/officeart/2005/8/layout/hChevron3"/>
     <dgm:cxn modelId="{D2059C57-AD56-41F7-B873-7938CDFA90E7}" type="presParOf" srcId="{D8287DBF-0CFB-41E3-ADAF-20D15C2342ED}" destId="{11213F88-EBEF-4352-8306-B20F98BA7EAC}" srcOrd="2" destOrd="0" presId="urn:microsoft.com/office/officeart/2005/8/layout/hChevron3"/>
@@ -3288,16 +3289,16 @@
   </dgm:ptLst>
   <dgm:cxnLst>
     <dgm:cxn modelId="{EFDC7BA3-1084-4429-AFCF-1103BF834059}" type="presOf" srcId="{9014CDD5-0A78-42EC-A211-09B07D482131}" destId="{E472BABA-16BA-41BD-9578-790ACDA84264}" srcOrd="0" destOrd="0" presId="urn:microsoft.com/office/officeart/2005/8/layout/architecture"/>
+    <dgm:cxn modelId="{E145F120-90AA-49B9-BCFD-AB82F7136501}" type="presOf" srcId="{C64D597D-D536-4790-8022-81EB72EF969B}" destId="{CFEDAF6D-1B24-49DD-8F01-CA87DE1F57A2}" srcOrd="0" destOrd="0" presId="urn:microsoft.com/office/officeart/2005/8/layout/architecture"/>
+    <dgm:cxn modelId="{81082DEB-B560-4EC4-AEBB-2B3954EB8DD1}" srcId="{23C2E595-7EEB-462A-9CD3-C4A062841EEE}" destId="{9014CDD5-0A78-42EC-A211-09B07D482131}" srcOrd="0" destOrd="0" parTransId="{97E13024-7578-423D-8E84-945923F71F2E}" sibTransId="{904C4B7F-A7EE-4E92-AD7C-E97E71131ADF}"/>
+    <dgm:cxn modelId="{CE05ACAD-37ED-4528-B149-ED852D34A493}" type="presOf" srcId="{9413F27E-4AB8-49AA-B2E4-F03DDA642707}" destId="{6C16D025-7875-4BFA-9C2F-8A4A019500CF}" srcOrd="0" destOrd="0" presId="urn:microsoft.com/office/officeart/2005/8/layout/architecture"/>
     <dgm:cxn modelId="{B30BD942-BD93-4937-83D3-1759CA8725CC}" srcId="{C64D597D-D536-4790-8022-81EB72EF969B}" destId="{EB8AF118-085E-49D9-B2E4-C10751F2A80F}" srcOrd="0" destOrd="0" parTransId="{A040210A-E4C1-4333-A9E2-FF49D1C0975C}" sibTransId="{7743A5F2-37BF-4CC5-8CD4-6224A16B23DD}"/>
+    <dgm:cxn modelId="{82B75DFC-DFD6-492B-A689-0570A7DE8AC8}" srcId="{9014CDD5-0A78-42EC-A211-09B07D482131}" destId="{0D762331-6414-4288-AE15-63CB3CA6AE99}" srcOrd="0" destOrd="0" parTransId="{DA589A55-D53C-4B01-88C3-AF60F49EE226}" sibTransId="{914994BD-047D-46BA-9FB4-371FA1D85017}"/>
+    <dgm:cxn modelId="{A1C0727C-1515-4B2F-A290-3D98E2A3622B}" type="presOf" srcId="{0D762331-6414-4288-AE15-63CB3CA6AE99}" destId="{A771BF75-FA03-4DE7-B782-1B90B78FABD7}" srcOrd="0" destOrd="0" presId="urn:microsoft.com/office/officeart/2005/8/layout/architecture"/>
+    <dgm:cxn modelId="{2AE7C358-5B19-4D69-8C6A-988807EC844E}" type="presOf" srcId="{23C2E595-7EEB-462A-9CD3-C4A062841EEE}" destId="{A7E687E4-89B4-4C1B-8F3D-D3E0CA959187}" srcOrd="0" destOrd="0" presId="urn:microsoft.com/office/officeart/2005/8/layout/architecture"/>
+    <dgm:cxn modelId="{FA49449E-9502-4757-AE2A-25E3D087C64F}" type="presOf" srcId="{EB8AF118-085E-49D9-B2E4-C10751F2A80F}" destId="{F9AE5F85-A081-44E6-9342-4E07CCB561D8}" srcOrd="0" destOrd="0" presId="urn:microsoft.com/office/officeart/2005/8/layout/architecture"/>
     <dgm:cxn modelId="{80CE943B-0176-421E-AB8E-2B6A99114A16}" srcId="{EB8AF118-085E-49D9-B2E4-C10751F2A80F}" destId="{23C2E595-7EEB-462A-9CD3-C4A062841EEE}" srcOrd="0" destOrd="0" parTransId="{202187AC-B481-4A23-90E5-BDBDBD6443F4}" sibTransId="{1DDF1396-ED78-4E07-A0F0-C6E27B783547}"/>
-    <dgm:cxn modelId="{CE05ACAD-37ED-4528-B149-ED852D34A493}" type="presOf" srcId="{9413F27E-4AB8-49AA-B2E4-F03DDA642707}" destId="{6C16D025-7875-4BFA-9C2F-8A4A019500CF}" srcOrd="0" destOrd="0" presId="urn:microsoft.com/office/officeart/2005/8/layout/architecture"/>
-    <dgm:cxn modelId="{FA49449E-9502-4757-AE2A-25E3D087C64F}" type="presOf" srcId="{EB8AF118-085E-49D9-B2E4-C10751F2A80F}" destId="{F9AE5F85-A081-44E6-9342-4E07CCB561D8}" srcOrd="0" destOrd="0" presId="urn:microsoft.com/office/officeart/2005/8/layout/architecture"/>
-    <dgm:cxn modelId="{E145F120-90AA-49B9-BCFD-AB82F7136501}" type="presOf" srcId="{C64D597D-D536-4790-8022-81EB72EF969B}" destId="{CFEDAF6D-1B24-49DD-8F01-CA87DE1F57A2}" srcOrd="0" destOrd="0" presId="urn:microsoft.com/office/officeart/2005/8/layout/architecture"/>
-    <dgm:cxn modelId="{82B75DFC-DFD6-492B-A689-0570A7DE8AC8}" srcId="{9014CDD5-0A78-42EC-A211-09B07D482131}" destId="{0D762331-6414-4288-AE15-63CB3CA6AE99}" srcOrd="0" destOrd="0" parTransId="{DA589A55-D53C-4B01-88C3-AF60F49EE226}" sibTransId="{914994BD-047D-46BA-9FB4-371FA1D85017}"/>
-    <dgm:cxn modelId="{81082DEB-B560-4EC4-AEBB-2B3954EB8DD1}" srcId="{23C2E595-7EEB-462A-9CD3-C4A062841EEE}" destId="{9014CDD5-0A78-42EC-A211-09B07D482131}" srcOrd="0" destOrd="0" parTransId="{97E13024-7578-423D-8E84-945923F71F2E}" sibTransId="{904C4B7F-A7EE-4E92-AD7C-E97E71131ADF}"/>
     <dgm:cxn modelId="{40CE0BE0-43DB-431A-A8EC-38345D9F6B85}" srcId="{0D762331-6414-4288-AE15-63CB3CA6AE99}" destId="{9413F27E-4AB8-49AA-B2E4-F03DDA642707}" srcOrd="0" destOrd="0" parTransId="{E5625C72-4409-4080-9FA1-8F714D6D7D18}" sibTransId="{F3AE5049-14EB-4562-9A9C-5532CCD4F4AB}"/>
-    <dgm:cxn modelId="{2AE7C358-5B19-4D69-8C6A-988807EC844E}" type="presOf" srcId="{23C2E595-7EEB-462A-9CD3-C4A062841EEE}" destId="{A7E687E4-89B4-4C1B-8F3D-D3E0CA959187}" srcOrd="0" destOrd="0" presId="urn:microsoft.com/office/officeart/2005/8/layout/architecture"/>
-    <dgm:cxn modelId="{A1C0727C-1515-4B2F-A290-3D98E2A3622B}" type="presOf" srcId="{0D762331-6414-4288-AE15-63CB3CA6AE99}" destId="{A771BF75-FA03-4DE7-B782-1B90B78FABD7}" srcOrd="0" destOrd="0" presId="urn:microsoft.com/office/officeart/2005/8/layout/architecture"/>
     <dgm:cxn modelId="{F712EFF1-ECDD-468C-B8DB-A24152C8E7B9}" type="presParOf" srcId="{CFEDAF6D-1B24-49DD-8F01-CA87DE1F57A2}" destId="{A0F2F79B-56E0-482F-B14E-7DD3CD09FE62}" srcOrd="0" destOrd="0" presId="urn:microsoft.com/office/officeart/2005/8/layout/architecture"/>
     <dgm:cxn modelId="{A1D7F09A-4197-45D2-9C73-0109A316DEA5}" type="presParOf" srcId="{A0F2F79B-56E0-482F-B14E-7DD3CD09FE62}" destId="{F9AE5F85-A081-44E6-9342-4E07CCB561D8}" srcOrd="0" destOrd="0" presId="urn:microsoft.com/office/officeart/2005/8/layout/architecture"/>
     <dgm:cxn modelId="{9E5B3804-F7DD-475C-9210-D9801BFF6CE0}" type="presParOf" srcId="{A0F2F79B-56E0-482F-B14E-7DD3CD09FE62}" destId="{F9E71477-C64A-42C1-B22F-8C08DF97A205}" srcOrd="1" destOrd="0" presId="urn:microsoft.com/office/officeart/2005/8/layout/architecture"/>
@@ -13225,9 +13226,86 @@
           <a:bodyPr/>
           <a:lstStyle/>
           <a:p>
+            <a:pPr algn="ctr"/>
             <a:r>
               <a:rPr lang="en-ZA" dirty="0"/>
-              <a:t>Failure &amp; Accomplishments</a:t>
+              <a:t>Demonstration</a:t>
+            </a:r>
+          </a:p>
+        </p:txBody>
+      </p:sp>
+      <p:sp>
+        <p:nvSpPr>
+          <p:cNvPr id="3" name="Content Placeholder 2"/>
+          <p:cNvSpPr>
+            <a:spLocks noGrp="1"/>
+          </p:cNvSpPr>
+          <p:nvPr>
+            <p:ph idx="1"/>
+          </p:nvPr>
+        </p:nvSpPr>
+        <p:spPr/>
+        <p:txBody>
+          <a:bodyPr/>
+          <a:lstStyle/>
+          <a:p>
+            <a:pPr marL="0" indent="0">
+              <a:buNone/>
+            </a:pPr>
+            <a:endParaRPr lang="en-ZA" dirty="0"/>
+          </a:p>
+        </p:txBody>
+      </p:sp>
+    </p:spTree>
+    <p:extLst>
+      <p:ext uri="{BB962C8B-B14F-4D97-AF65-F5344CB8AC3E}">
+        <p14:creationId xmlns:p14="http://schemas.microsoft.com/office/powerpoint/2010/main" val="3186071134"/>
+      </p:ext>
+    </p:extLst>
+  </p:cSld>
+  <p:clrMapOvr>
+    <a:masterClrMapping/>
+  </p:clrMapOvr>
+</p:sld>
+</file>
+
+<file path=ppt/slides/slide6.xml><?xml version="1.0" encoding="utf-8"?>
+<p:sld xmlns:a="http://schemas.openxmlformats.org/drawingml/2006/main" xmlns:r="http://schemas.openxmlformats.org/officeDocument/2006/relationships" xmlns:p="http://schemas.openxmlformats.org/presentationml/2006/main">
+  <p:cSld>
+    <p:spTree>
+      <p:nvGrpSpPr>
+        <p:cNvPr id="1" name=""/>
+        <p:cNvGrpSpPr/>
+        <p:nvPr/>
+      </p:nvGrpSpPr>
+      <p:grpSpPr>
+        <a:xfrm>
+          <a:off x="0" y="0"/>
+          <a:ext cx="0" cy="0"/>
+          <a:chOff x="0" y="0"/>
+          <a:chExt cx="0" cy="0"/>
+        </a:xfrm>
+      </p:grpSpPr>
+      <p:sp>
+        <p:nvSpPr>
+          <p:cNvPr id="2" name="Title 1"/>
+          <p:cNvSpPr>
+            <a:spLocks noGrp="1"/>
+          </p:cNvSpPr>
+          <p:nvPr>
+            <p:ph type="title"/>
+          </p:nvPr>
+        </p:nvSpPr>
+        <p:spPr/>
+        <p:txBody>
+          <a:bodyPr>
+            <a:normAutofit/>
+          </a:bodyPr>
+          <a:lstStyle/>
+          <a:p>
+            <a:r>
+              <a:rPr lang="en-ZA" dirty="0"/>
+              <a:t>What We’ve Learned</a:t>
             </a:r>
           </a:p>
         </p:txBody>
@@ -13256,6 +13334,12 @@
             <a:r>
               <a:rPr lang="en-ZA" dirty="0"/>
               <a:t>Spring MVC</a:t>
+            </a:r>
+          </a:p>
+          <a:p>
+            <a:r>
+              <a:rPr lang="en-ZA" dirty="0"/>
+              <a:t>SDLC</a:t>
             </a:r>
           </a:p>
         </p:txBody>

--- a/Presentation/Entelect Software PowerPoint Template.pptx
+++ b/Presentation/Entelect Software PowerPoint Template.pptx
@@ -13296,7 +13296,12 @@
             <p:ph type="title"/>
           </p:nvPr>
         </p:nvSpPr>
-        <p:spPr/>
+        <p:spPr>
+          <a:xfrm>
+            <a:off x="436248" y="337220"/>
+            <a:ext cx="8229600" cy="588409"/>
+          </a:xfrm>
+        </p:spPr>
         <p:txBody>
           <a:bodyPr>
             <a:normAutofit/>
@@ -13305,7 +13310,7 @@
           <a:p>
             <a:r>
               <a:rPr lang="en-ZA" dirty="0"/>
-              <a:t>What We’ve Learned</a:t>
+              <a:t>Additional</a:t>
             </a:r>
           </a:p>
         </p:txBody>
@@ -13324,6 +13329,16 @@
         <p:txBody>
           <a:bodyPr/>
           <a:lstStyle/>
+          <a:p>
+            <a:pPr marL="0" indent="0">
+              <a:buNone/>
+            </a:pPr>
+            <a:r>
+              <a:rPr lang="en-ZA" dirty="0"/>
+              <a:t>What We’ve Learned</a:t>
+            </a:r>
+            <a:endParaRPr lang="en-ZA" dirty="0"/>
+          </a:p>
           <a:p>
             <a:r>
               <a:rPr lang="en-ZA" dirty="0"/>
@@ -13359,7 +13374,35 @@
           <a:bodyPr/>
           <a:lstStyle/>
           <a:p>
-            <a:endParaRPr lang="en-ZA"/>
+            <a:pPr marL="0" indent="0">
+              <a:buNone/>
+            </a:pPr>
+            <a:r>
+              <a:rPr lang="en-ZA" dirty="0"/>
+              <a:t>Improvements:</a:t>
+            </a:r>
+          </a:p>
+          <a:p>
+            <a:r>
+              <a:rPr lang="en-ZA" dirty="0"/>
+              <a:t>Validation</a:t>
+            </a:r>
+          </a:p>
+          <a:p>
+            <a:r>
+              <a:rPr lang="en-ZA" dirty="0"/>
+              <a:t>Exception handling</a:t>
+            </a:r>
+          </a:p>
+          <a:p>
+            <a:r>
+              <a:rPr lang="en-ZA"/>
+              <a:t>UX</a:t>
+            </a:r>
+            <a:endParaRPr lang="en-ZA" dirty="0"/>
+          </a:p>
+          <a:p>
+            <a:endParaRPr lang="en-ZA" dirty="0"/>
           </a:p>
         </p:txBody>
       </p:sp>

--- a/Presentation/Entelect Software PowerPoint Template.pptx
+++ b/Presentation/Entelect Software PowerPoint Template.pptx
@@ -5,10 +5,10 @@
     <p:sldMasterId id="2147483648" r:id="rId1"/>
   </p:sldMasterIdLst>
   <p:notesMasterIdLst>
-    <p:notesMasterId r:id="rId8"/>
+    <p:notesMasterId r:id="rId9"/>
   </p:notesMasterIdLst>
   <p:handoutMasterIdLst>
-    <p:handoutMasterId r:id="rId9"/>
+    <p:handoutMasterId r:id="rId10"/>
   </p:handoutMasterIdLst>
   <p:sldIdLst>
     <p:sldId id="280" r:id="rId2"/>
@@ -16,7 +16,8 @@
     <p:sldId id="281" r:id="rId4"/>
     <p:sldId id="282" r:id="rId5"/>
     <p:sldId id="284" r:id="rId6"/>
-    <p:sldId id="283" r:id="rId7"/>
+    <p:sldId id="285" r:id="rId7"/>
+    <p:sldId id="283" r:id="rId8"/>
   </p:sldIdLst>
   <p:sldSz cx="9144000" cy="5715000" type="screen16x10"/>
   <p:notesSz cx="6858000" cy="9144000"/>
@@ -13296,6 +13297,177 @@
             <p:ph type="title"/>
           </p:nvPr>
         </p:nvSpPr>
+        <p:spPr/>
+        <p:txBody>
+          <a:bodyPr/>
+          <a:lstStyle/>
+          <a:p>
+            <a:r>
+              <a:rPr lang="en-ZA" dirty="0"/>
+              <a:t>Requirements not met</a:t>
+            </a:r>
+          </a:p>
+        </p:txBody>
+      </p:sp>
+      <p:sp>
+        <p:nvSpPr>
+          <p:cNvPr id="3" name="Content Placeholder 2"/>
+          <p:cNvSpPr>
+            <a:spLocks noGrp="1"/>
+          </p:cNvSpPr>
+          <p:nvPr>
+            <p:ph sz="half" idx="1"/>
+          </p:nvPr>
+        </p:nvSpPr>
+        <p:spPr/>
+        <p:txBody>
+          <a:bodyPr>
+            <a:normAutofit lnSpcReduction="10000"/>
+          </a:bodyPr>
+          <a:lstStyle/>
+          <a:p>
+            <a:pPr marL="0" indent="0">
+              <a:buNone/>
+            </a:pPr>
+            <a:r>
+              <a:rPr lang="en-ZA" dirty="0"/>
+              <a:t>Homepage:</a:t>
+            </a:r>
+          </a:p>
+          <a:p>
+            <a:r>
+              <a:rPr lang="en-ZA" dirty="0"/>
+              <a:t>Not attractive enough</a:t>
+            </a:r>
+          </a:p>
+          <a:p>
+            <a:pPr marL="0" indent="0">
+              <a:buNone/>
+            </a:pPr>
+            <a:r>
+              <a:rPr lang="en-ZA" dirty="0"/>
+              <a:t>Shopping cart:</a:t>
+            </a:r>
+          </a:p>
+          <a:p>
+            <a:r>
+              <a:rPr lang="en-ZA" dirty="0"/>
+              <a:t>Page reload on add</a:t>
+            </a:r>
+          </a:p>
+          <a:p>
+            <a:r>
+              <a:rPr lang="en-ZA" dirty="0"/>
+              <a:t>Update price</a:t>
+            </a:r>
+          </a:p>
+          <a:p>
+            <a:r>
+              <a:rPr lang="en-ZA" dirty="0"/>
+              <a:t>Sh</a:t>
+            </a:r>
+            <a:r>
+              <a:rPr lang="en-ZA" dirty="0"/>
+              <a:t>ould have specials</a:t>
+            </a:r>
+          </a:p>
+        </p:txBody>
+      </p:sp>
+      <p:sp>
+        <p:nvSpPr>
+          <p:cNvPr id="4" name="Content Placeholder 3"/>
+          <p:cNvSpPr>
+            <a:spLocks noGrp="1"/>
+          </p:cNvSpPr>
+          <p:nvPr>
+            <p:ph sz="half" idx="2"/>
+          </p:nvPr>
+        </p:nvSpPr>
+        <p:spPr/>
+        <p:txBody>
+          <a:bodyPr>
+            <a:normAutofit lnSpcReduction="10000"/>
+          </a:bodyPr>
+          <a:lstStyle/>
+          <a:p>
+            <a:pPr marL="0" indent="0">
+              <a:buNone/>
+            </a:pPr>
+            <a:r>
+              <a:rPr lang="en-ZA" dirty="0"/>
+              <a:t>Catalogue:</a:t>
+            </a:r>
+          </a:p>
+          <a:p>
+            <a:r>
+              <a:rPr lang="en-ZA" dirty="0"/>
+              <a:t>More relevant data per issue displayed</a:t>
+            </a:r>
+            <a:endParaRPr lang="en-ZA" dirty="0"/>
+          </a:p>
+          <a:p>
+            <a:pPr marL="0" indent="0">
+              <a:buNone/>
+            </a:pPr>
+            <a:r>
+              <a:rPr lang="en-ZA" dirty="0"/>
+              <a:t>Checkout:</a:t>
+            </a:r>
+          </a:p>
+          <a:p>
+            <a:r>
+              <a:rPr lang="en-ZA" dirty="0"/>
+              <a:t>Does not update DB</a:t>
+            </a:r>
+          </a:p>
+          <a:p>
+            <a:r>
+              <a:rPr lang="en-ZA" dirty="0"/>
+              <a:t>Should use a Mock service and stored procedure</a:t>
+            </a:r>
+          </a:p>
+        </p:txBody>
+      </p:sp>
+    </p:spTree>
+    <p:extLst>
+      <p:ext uri="{BB962C8B-B14F-4D97-AF65-F5344CB8AC3E}">
+        <p14:creationId xmlns:p14="http://schemas.microsoft.com/office/powerpoint/2010/main" val="747290715"/>
+      </p:ext>
+    </p:extLst>
+  </p:cSld>
+  <p:clrMapOvr>
+    <a:masterClrMapping/>
+  </p:clrMapOvr>
+</p:sld>
+</file>
+
+<file path=ppt/slides/slide7.xml><?xml version="1.0" encoding="utf-8"?>
+<p:sld xmlns:a="http://schemas.openxmlformats.org/drawingml/2006/main" xmlns:r="http://schemas.openxmlformats.org/officeDocument/2006/relationships" xmlns:p="http://schemas.openxmlformats.org/presentationml/2006/main">
+  <p:cSld>
+    <p:spTree>
+      <p:nvGrpSpPr>
+        <p:cNvPr id="1" name=""/>
+        <p:cNvGrpSpPr/>
+        <p:nvPr/>
+      </p:nvGrpSpPr>
+      <p:grpSpPr>
+        <a:xfrm>
+          <a:off x="0" y="0"/>
+          <a:ext cx="0" cy="0"/>
+          <a:chOff x="0" y="0"/>
+          <a:chExt cx="0" cy="0"/>
+        </a:xfrm>
+      </p:grpSpPr>
+      <p:sp>
+        <p:nvSpPr>
+          <p:cNvPr id="2" name="Title 1"/>
+          <p:cNvSpPr>
+            <a:spLocks noGrp="1"/>
+          </p:cNvSpPr>
+          <p:nvPr>
+            <p:ph type="title"/>
+          </p:nvPr>
+        </p:nvSpPr>
         <p:spPr>
           <a:xfrm>
             <a:off x="436248" y="337220"/>
@@ -13396,10 +13568,9 @@
           </a:p>
           <a:p>
             <a:r>
-              <a:rPr lang="en-ZA"/>
+              <a:rPr lang="en-ZA" dirty="0"/>
               <a:t>UX</a:t>
             </a:r>
-            <a:endParaRPr lang="en-ZA" dirty="0"/>
           </a:p>
           <a:p>
             <a:endParaRPr lang="en-ZA" dirty="0"/>

--- a/Presentation/Entelect Software PowerPoint Template.pptx
+++ b/Presentation/Entelect Software PowerPoint Template.pptx
@@ -3072,7 +3072,7 @@
         <a:p>
           <a:r>
             <a:rPr lang="en-US" dirty="0"/>
-            <a:t>Domain Entities</a:t>
+            <a:t>Entities</a:t>
           </a:r>
         </a:p>
       </dgm:t>
@@ -3171,6 +3171,42 @@
         </a:p>
       </dgm:t>
     </dgm:pt>
+    <dgm:pt modelId="{E5F33730-D993-4AC7-A04F-D2C5828A116E}">
+      <dgm:prSet/>
+      <dgm:spPr/>
+      <dgm:t>
+        <a:bodyPr/>
+        <a:lstStyle/>
+        <a:p>
+          <a:r>
+            <a:rPr lang="en-US" dirty="0"/>
+            <a:t>POJO</a:t>
+          </a:r>
+        </a:p>
+      </dgm:t>
+    </dgm:pt>
+    <dgm:pt modelId="{50206D1E-3497-4A8A-8F62-F58DC8602D7E}" type="parTrans" cxnId="{C27786C2-4FEF-4831-A5DF-3B4F8217CF07}">
+      <dgm:prSet/>
+      <dgm:spPr/>
+      <dgm:t>
+        <a:bodyPr/>
+        <a:lstStyle/>
+        <a:p>
+          <a:endParaRPr lang="en-US"/>
+        </a:p>
+      </dgm:t>
+    </dgm:pt>
+    <dgm:pt modelId="{5A7BD2C4-F8D8-47BD-BFBC-A352AA62C8E4}" type="sibTrans" cxnId="{C27786C2-4FEF-4831-A5DF-3B4F8217CF07}">
+      <dgm:prSet/>
+      <dgm:spPr/>
+      <dgm:t>
+        <a:bodyPr/>
+        <a:lstStyle/>
+        <a:p>
+          <a:endParaRPr lang="en-US"/>
+        </a:p>
+      </dgm:t>
+    </dgm:pt>
     <dgm:pt modelId="{CFEDAF6D-1B24-49DD-8F01-CA87DE1F57A2}" type="pres">
       <dgm:prSet presAssocID="{C64D597D-D536-4790-8022-81EB72EF969B}" presName="Name0" presStyleCnt="0">
         <dgm:presLayoutVars>
@@ -3188,12 +3224,16 @@
       <dgm:spPr/>
     </dgm:pt>
     <dgm:pt modelId="{F9AE5F85-A081-44E6-9342-4E07CCB561D8}" type="pres">
-      <dgm:prSet presAssocID="{EB8AF118-085E-49D9-B2E4-C10751F2A80F}" presName="txOne" presStyleLbl="node0" presStyleIdx="0" presStyleCnt="1">
+      <dgm:prSet presAssocID="{EB8AF118-085E-49D9-B2E4-C10751F2A80F}" presName="txOne" presStyleLbl="node0" presStyleIdx="0" presStyleCnt="2">
         <dgm:presLayoutVars>
           <dgm:chPref val="3"/>
         </dgm:presLayoutVars>
       </dgm:prSet>
-      <dgm:spPr/>
+      <dgm:spPr>
+        <a:prstGeom prst="can">
+          <a:avLst/>
+        </a:prstGeom>
+      </dgm:spPr>
     </dgm:pt>
     <dgm:pt modelId="{F9E71477-C64A-42C1-B22F-8C08DF97A205}" type="pres">
       <dgm:prSet presAssocID="{EB8AF118-085E-49D9-B2E4-C10751F2A80F}" presName="parTransOne" presStyleCnt="0"/>
@@ -3287,18 +3327,40 @@
       <dgm:prSet presAssocID="{9413F27E-4AB8-49AA-B2E4-F03DDA642707}" presName="horzFour" presStyleCnt="0"/>
       <dgm:spPr/>
     </dgm:pt>
+    <dgm:pt modelId="{830FA694-D639-45B2-8E98-3761F856EE4A}" type="pres">
+      <dgm:prSet presAssocID="{7743A5F2-37BF-4CC5-8CD4-6224A16B23DD}" presName="sibSpaceOne" presStyleCnt="0"/>
+      <dgm:spPr/>
+    </dgm:pt>
+    <dgm:pt modelId="{DBD4C6BF-4D29-4B28-8BFB-BFAB548562EF}" type="pres">
+      <dgm:prSet presAssocID="{E5F33730-D993-4AC7-A04F-D2C5828A116E}" presName="vertOne" presStyleCnt="0"/>
+      <dgm:spPr/>
+    </dgm:pt>
+    <dgm:pt modelId="{F42EE2EC-3800-4B1D-8880-5CBC7C892919}" type="pres">
+      <dgm:prSet presAssocID="{E5F33730-D993-4AC7-A04F-D2C5828A116E}" presName="txOne" presStyleLbl="node0" presStyleIdx="1" presStyleCnt="2" custScaleX="30919" custScaleY="524456">
+        <dgm:presLayoutVars>
+          <dgm:chPref val="3"/>
+        </dgm:presLayoutVars>
+      </dgm:prSet>
+      <dgm:spPr/>
+    </dgm:pt>
+    <dgm:pt modelId="{CF6CFE21-030B-402B-B50B-02BD1DD3FBD1}" type="pres">
+      <dgm:prSet presAssocID="{E5F33730-D993-4AC7-A04F-D2C5828A116E}" presName="horzOne" presStyleCnt="0"/>
+      <dgm:spPr/>
+    </dgm:pt>
   </dgm:ptLst>
   <dgm:cxnLst>
-    <dgm:cxn modelId="{EFDC7BA3-1084-4429-AFCF-1103BF834059}" type="presOf" srcId="{9014CDD5-0A78-42EC-A211-09B07D482131}" destId="{E472BABA-16BA-41BD-9578-790ACDA84264}" srcOrd="0" destOrd="0" presId="urn:microsoft.com/office/officeart/2005/8/layout/architecture"/>
+    <dgm:cxn modelId="{B30BD942-BD93-4937-83D3-1759CA8725CC}" srcId="{C64D597D-D536-4790-8022-81EB72EF969B}" destId="{EB8AF118-085E-49D9-B2E4-C10751F2A80F}" srcOrd="0" destOrd="0" parTransId="{A040210A-E4C1-4333-A9E2-FF49D1C0975C}" sibTransId="{7743A5F2-37BF-4CC5-8CD4-6224A16B23DD}"/>
+    <dgm:cxn modelId="{CE05ACAD-37ED-4528-B149-ED852D34A493}" type="presOf" srcId="{9413F27E-4AB8-49AA-B2E4-F03DDA642707}" destId="{6C16D025-7875-4BFA-9C2F-8A4A019500CF}" srcOrd="0" destOrd="0" presId="urn:microsoft.com/office/officeart/2005/8/layout/architecture"/>
     <dgm:cxn modelId="{E145F120-90AA-49B9-BCFD-AB82F7136501}" type="presOf" srcId="{C64D597D-D536-4790-8022-81EB72EF969B}" destId="{CFEDAF6D-1B24-49DD-8F01-CA87DE1F57A2}" srcOrd="0" destOrd="0" presId="urn:microsoft.com/office/officeart/2005/8/layout/architecture"/>
     <dgm:cxn modelId="{81082DEB-B560-4EC4-AEBB-2B3954EB8DD1}" srcId="{23C2E595-7EEB-462A-9CD3-C4A062841EEE}" destId="{9014CDD5-0A78-42EC-A211-09B07D482131}" srcOrd="0" destOrd="0" parTransId="{97E13024-7578-423D-8E84-945923F71F2E}" sibTransId="{904C4B7F-A7EE-4E92-AD7C-E97E71131ADF}"/>
-    <dgm:cxn modelId="{CE05ACAD-37ED-4528-B149-ED852D34A493}" type="presOf" srcId="{9413F27E-4AB8-49AA-B2E4-F03DDA642707}" destId="{6C16D025-7875-4BFA-9C2F-8A4A019500CF}" srcOrd="0" destOrd="0" presId="urn:microsoft.com/office/officeart/2005/8/layout/architecture"/>
-    <dgm:cxn modelId="{B30BD942-BD93-4937-83D3-1759CA8725CC}" srcId="{C64D597D-D536-4790-8022-81EB72EF969B}" destId="{EB8AF118-085E-49D9-B2E4-C10751F2A80F}" srcOrd="0" destOrd="0" parTransId="{A040210A-E4C1-4333-A9E2-FF49D1C0975C}" sibTransId="{7743A5F2-37BF-4CC5-8CD4-6224A16B23DD}"/>
-    <dgm:cxn modelId="{82B75DFC-DFD6-492B-A689-0570A7DE8AC8}" srcId="{9014CDD5-0A78-42EC-A211-09B07D482131}" destId="{0D762331-6414-4288-AE15-63CB3CA6AE99}" srcOrd="0" destOrd="0" parTransId="{DA589A55-D53C-4B01-88C3-AF60F49EE226}" sibTransId="{914994BD-047D-46BA-9FB4-371FA1D85017}"/>
+    <dgm:cxn modelId="{EFDC7BA3-1084-4429-AFCF-1103BF834059}" type="presOf" srcId="{9014CDD5-0A78-42EC-A211-09B07D482131}" destId="{E472BABA-16BA-41BD-9578-790ACDA84264}" srcOrd="0" destOrd="0" presId="urn:microsoft.com/office/officeart/2005/8/layout/architecture"/>
+    <dgm:cxn modelId="{C27786C2-4FEF-4831-A5DF-3B4F8217CF07}" srcId="{C64D597D-D536-4790-8022-81EB72EF969B}" destId="{E5F33730-D993-4AC7-A04F-D2C5828A116E}" srcOrd="1" destOrd="0" parTransId="{50206D1E-3497-4A8A-8F62-F58DC8602D7E}" sibTransId="{5A7BD2C4-F8D8-47BD-BFBC-A352AA62C8E4}"/>
+    <dgm:cxn modelId="{2AE7C358-5B19-4D69-8C6A-988807EC844E}" type="presOf" srcId="{23C2E595-7EEB-462A-9CD3-C4A062841EEE}" destId="{A7E687E4-89B4-4C1B-8F3D-D3E0CA959187}" srcOrd="0" destOrd="0" presId="urn:microsoft.com/office/officeart/2005/8/layout/architecture"/>
     <dgm:cxn modelId="{A1C0727C-1515-4B2F-A290-3D98E2A3622B}" type="presOf" srcId="{0D762331-6414-4288-AE15-63CB3CA6AE99}" destId="{A771BF75-FA03-4DE7-B782-1B90B78FABD7}" srcOrd="0" destOrd="0" presId="urn:microsoft.com/office/officeart/2005/8/layout/architecture"/>
-    <dgm:cxn modelId="{2AE7C358-5B19-4D69-8C6A-988807EC844E}" type="presOf" srcId="{23C2E595-7EEB-462A-9CD3-C4A062841EEE}" destId="{A7E687E4-89B4-4C1B-8F3D-D3E0CA959187}" srcOrd="0" destOrd="0" presId="urn:microsoft.com/office/officeart/2005/8/layout/architecture"/>
+    <dgm:cxn modelId="{80A7EE42-F92C-4541-880E-445EA2822D87}" type="presOf" srcId="{E5F33730-D993-4AC7-A04F-D2C5828A116E}" destId="{F42EE2EC-3800-4B1D-8880-5CBC7C892919}" srcOrd="0" destOrd="0" presId="urn:microsoft.com/office/officeart/2005/8/layout/architecture"/>
     <dgm:cxn modelId="{FA49449E-9502-4757-AE2A-25E3D087C64F}" type="presOf" srcId="{EB8AF118-085E-49D9-B2E4-C10751F2A80F}" destId="{F9AE5F85-A081-44E6-9342-4E07CCB561D8}" srcOrd="0" destOrd="0" presId="urn:microsoft.com/office/officeart/2005/8/layout/architecture"/>
     <dgm:cxn modelId="{80CE943B-0176-421E-AB8E-2B6A99114A16}" srcId="{EB8AF118-085E-49D9-B2E4-C10751F2A80F}" destId="{23C2E595-7EEB-462A-9CD3-C4A062841EEE}" srcOrd="0" destOrd="0" parTransId="{202187AC-B481-4A23-90E5-BDBDBD6443F4}" sibTransId="{1DDF1396-ED78-4E07-A0F0-C6E27B783547}"/>
+    <dgm:cxn modelId="{82B75DFC-DFD6-492B-A689-0570A7DE8AC8}" srcId="{9014CDD5-0A78-42EC-A211-09B07D482131}" destId="{0D762331-6414-4288-AE15-63CB3CA6AE99}" srcOrd="0" destOrd="0" parTransId="{DA589A55-D53C-4B01-88C3-AF60F49EE226}" sibTransId="{914994BD-047D-46BA-9FB4-371FA1D85017}"/>
     <dgm:cxn modelId="{40CE0BE0-43DB-431A-A8EC-38345D9F6B85}" srcId="{0D762331-6414-4288-AE15-63CB3CA6AE99}" destId="{9413F27E-4AB8-49AA-B2E4-F03DDA642707}" srcOrd="0" destOrd="0" parTransId="{E5625C72-4409-4080-9FA1-8F714D6D7D18}" sibTransId="{F3AE5049-14EB-4562-9A9C-5532CCD4F4AB}"/>
     <dgm:cxn modelId="{F712EFF1-ECDD-468C-B8DB-A24152C8E7B9}" type="presParOf" srcId="{CFEDAF6D-1B24-49DD-8F01-CA87DE1F57A2}" destId="{A0F2F79B-56E0-482F-B14E-7DD3CD09FE62}" srcOrd="0" destOrd="0" presId="urn:microsoft.com/office/officeart/2005/8/layout/architecture"/>
     <dgm:cxn modelId="{A1D7F09A-4197-45D2-9C73-0109A316DEA5}" type="presParOf" srcId="{A0F2F79B-56E0-482F-B14E-7DD3CD09FE62}" destId="{F9AE5F85-A081-44E6-9342-4E07CCB561D8}" srcOrd="0" destOrd="0" presId="urn:microsoft.com/office/officeart/2005/8/layout/architecture"/>
@@ -3319,6 +3381,10 @@
     <dgm:cxn modelId="{11522E5A-749C-4957-A27D-4B599C0DAB52}" type="presParOf" srcId="{A4FBB8C2-11BC-4781-BB26-489D10610B09}" destId="{3AF061A6-305A-413C-AB9F-20407E0D1B0A}" srcOrd="0" destOrd="0" presId="urn:microsoft.com/office/officeart/2005/8/layout/architecture"/>
     <dgm:cxn modelId="{A2C62C5D-9FAC-4A1C-9F50-66C0845F193A}" type="presParOf" srcId="{3AF061A6-305A-413C-AB9F-20407E0D1B0A}" destId="{6C16D025-7875-4BFA-9C2F-8A4A019500CF}" srcOrd="0" destOrd="0" presId="urn:microsoft.com/office/officeart/2005/8/layout/architecture"/>
     <dgm:cxn modelId="{40B8BEB9-CC71-4BB7-8C49-35F41D610A38}" type="presParOf" srcId="{3AF061A6-305A-413C-AB9F-20407E0D1B0A}" destId="{C8A21487-D4BB-41A9-96F1-B04702EEE259}" srcOrd="1" destOrd="0" presId="urn:microsoft.com/office/officeart/2005/8/layout/architecture"/>
+    <dgm:cxn modelId="{F674D202-F515-41EE-9F19-CC687DFB319E}" type="presParOf" srcId="{CFEDAF6D-1B24-49DD-8F01-CA87DE1F57A2}" destId="{830FA694-D639-45B2-8E98-3761F856EE4A}" srcOrd="1" destOrd="0" presId="urn:microsoft.com/office/officeart/2005/8/layout/architecture"/>
+    <dgm:cxn modelId="{B10B5DB1-EE32-45A5-A9D2-29EA292D273C}" type="presParOf" srcId="{CFEDAF6D-1B24-49DD-8F01-CA87DE1F57A2}" destId="{DBD4C6BF-4D29-4B28-8BFB-BFAB548562EF}" srcOrd="2" destOrd="0" presId="urn:microsoft.com/office/officeart/2005/8/layout/architecture"/>
+    <dgm:cxn modelId="{A2A45864-928D-4252-A4C9-41D525B42424}" type="presParOf" srcId="{DBD4C6BF-4D29-4B28-8BFB-BFAB548562EF}" destId="{F42EE2EC-3800-4B1D-8880-5CBC7C892919}" srcOrd="0" destOrd="0" presId="urn:microsoft.com/office/officeart/2005/8/layout/architecture"/>
+    <dgm:cxn modelId="{BC9DA814-493B-490E-AB9E-6C8D5FC0BDF9}" type="presParOf" srcId="{DBD4C6BF-4D29-4B28-8BFB-BFAB548562EF}" destId="{CF6CFE21-030B-402B-B50B-02BD1DD3FBD1}" srcOrd="1" destOrd="0" presId="urn:microsoft.com/office/officeart/2005/8/layout/architecture"/>
   </dgm:cxnLst>
   <dgm:bg/>
   <dgm:whole/>
@@ -4197,8 +4263,85 @@
       </dsp:nvSpPr>
       <dsp:spPr>
         <a:xfrm>
-          <a:off x="1971" y="3051000"/>
-          <a:ext cx="4034656" cy="719202"/>
+          <a:off x="606" y="3051558"/>
+          <a:ext cx="2733154" cy="718500"/>
+        </a:xfrm>
+        <a:prstGeom prst="can">
+          <a:avLst/>
+        </a:prstGeom>
+        <a:solidFill>
+          <a:schemeClr val="accent1">
+            <a:hueOff val="0"/>
+            <a:satOff val="0"/>
+            <a:lumOff val="0"/>
+            <a:alphaOff val="0"/>
+          </a:schemeClr>
+        </a:solidFill>
+        <a:ln w="25400" cap="flat" cmpd="sng" algn="ctr">
+          <a:solidFill>
+            <a:schemeClr val="lt1">
+              <a:hueOff val="0"/>
+              <a:satOff val="0"/>
+              <a:lumOff val="0"/>
+              <a:alphaOff val="0"/>
+            </a:schemeClr>
+          </a:solidFill>
+          <a:prstDash val="solid"/>
+        </a:ln>
+        <a:effectLst/>
+      </dsp:spPr>
+      <dsp:style>
+        <a:lnRef idx="2">
+          <a:scrgbClr r="0" g="0" b="0"/>
+        </a:lnRef>
+        <a:fillRef idx="1">
+          <a:scrgbClr r="0" g="0" b="0"/>
+        </a:fillRef>
+        <a:effectRef idx="0">
+          <a:scrgbClr r="0" g="0" b="0"/>
+        </a:effectRef>
+        <a:fontRef idx="minor">
+          <a:schemeClr val="lt1"/>
+        </a:fontRef>
+      </dsp:style>
+      <dsp:txBody>
+        <a:bodyPr spcFirstLastPara="0" vert="horz" wrap="square" lIns="76200" tIns="76200" rIns="76200" bIns="76200" numCol="1" spcCol="1270" anchor="ctr" anchorCtr="0">
+          <a:noAutofit/>
+        </a:bodyPr>
+        <a:lstStyle/>
+        <a:p>
+          <a:pPr marL="0" lvl="0" indent="0" algn="ctr" defTabSz="889000">
+            <a:lnSpc>
+              <a:spcPct val="90000"/>
+            </a:lnSpc>
+            <a:spcBef>
+              <a:spcPct val="0"/>
+            </a:spcBef>
+            <a:spcAft>
+              <a:spcPct val="35000"/>
+            </a:spcAft>
+            <a:buNone/>
+          </a:pPr>
+          <a:r>
+            <a:rPr lang="en-US" sz="2000" kern="1200" dirty="0"/>
+            <a:t>Database</a:t>
+          </a:r>
+        </a:p>
+      </dsp:txBody>
+      <dsp:txXfrm>
+        <a:off x="606" y="3231183"/>
+        <a:ext cx="2733154" cy="449063"/>
+      </dsp:txXfrm>
+    </dsp:sp>
+    <dsp:sp modelId="{A7E687E4-89B4-4C1B-8F3D-D3E0CA959187}">
+      <dsp:nvSpPr>
+        <dsp:cNvPr id="0" name=""/>
+        <dsp:cNvSpPr/>
+      </dsp:nvSpPr>
+      <dsp:spPr>
+        <a:xfrm>
+          <a:off x="606" y="2289935"/>
+          <a:ext cx="2733154" cy="718500"/>
         </a:xfrm>
         <a:prstGeom prst="roundRect">
           <a:avLst>
@@ -4241,12 +4384,12 @@
         </a:fontRef>
       </dsp:style>
       <dsp:txBody>
-        <a:bodyPr spcFirstLastPara="0" vert="horz" wrap="square" lIns="118110" tIns="118110" rIns="118110" bIns="118110" numCol="1" spcCol="1270" anchor="ctr" anchorCtr="0">
+        <a:bodyPr spcFirstLastPara="0" vert="horz" wrap="square" lIns="76200" tIns="76200" rIns="76200" bIns="76200" numCol="1" spcCol="1270" anchor="ctr" anchorCtr="0">
           <a:noAutofit/>
         </a:bodyPr>
         <a:lstStyle/>
         <a:p>
-          <a:pPr marL="0" lvl="0" indent="0" algn="ctr" defTabSz="1377950">
+          <a:pPr marL="0" lvl="0" indent="0" algn="ctr" defTabSz="889000">
             <a:lnSpc>
               <a:spcPct val="90000"/>
             </a:lnSpc>
@@ -4259,25 +4402,25 @@
             <a:buNone/>
           </a:pPr>
           <a:r>
-            <a:rPr lang="en-US" sz="3100" kern="1200" dirty="0"/>
-            <a:t>Database</a:t>
+            <a:rPr lang="en-US" sz="2000" kern="1200" dirty="0"/>
+            <a:t>Repository</a:t>
           </a:r>
         </a:p>
       </dsp:txBody>
       <dsp:txXfrm>
-        <a:off x="23036" y="3072065"/>
-        <a:ext cx="3992526" cy="677072"/>
+        <a:off x="21650" y="2310979"/>
+        <a:ext cx="2691066" cy="676412"/>
       </dsp:txXfrm>
     </dsp:sp>
-    <dsp:sp modelId="{A7E687E4-89B4-4C1B-8F3D-D3E0CA959187}">
+    <dsp:sp modelId="{E472BABA-16BA-41BD-9578-790ACDA84264}">
       <dsp:nvSpPr>
         <dsp:cNvPr id="0" name=""/>
         <dsp:cNvSpPr/>
       </dsp:nvSpPr>
       <dsp:spPr>
         <a:xfrm>
-          <a:off x="1971" y="2288674"/>
-          <a:ext cx="4034656" cy="719202"/>
+          <a:off x="606" y="1528311"/>
+          <a:ext cx="2733154" cy="718500"/>
         </a:xfrm>
         <a:prstGeom prst="roundRect">
           <a:avLst>
@@ -4320,12 +4463,12 @@
         </a:fontRef>
       </dsp:style>
       <dsp:txBody>
-        <a:bodyPr spcFirstLastPara="0" vert="horz" wrap="square" lIns="118110" tIns="118110" rIns="118110" bIns="118110" numCol="1" spcCol="1270" anchor="ctr" anchorCtr="0">
+        <a:bodyPr spcFirstLastPara="0" vert="horz" wrap="square" lIns="76200" tIns="76200" rIns="76200" bIns="76200" numCol="1" spcCol="1270" anchor="ctr" anchorCtr="0">
           <a:noAutofit/>
         </a:bodyPr>
         <a:lstStyle/>
         <a:p>
-          <a:pPr marL="0" lvl="0" indent="0" algn="ctr" defTabSz="1377950">
+          <a:pPr marL="0" lvl="0" indent="0" algn="ctr" defTabSz="889000">
             <a:lnSpc>
               <a:spcPct val="90000"/>
             </a:lnSpc>
@@ -4338,25 +4481,25 @@
             <a:buNone/>
           </a:pPr>
           <a:r>
-            <a:rPr lang="en-US" sz="3100" kern="1200" dirty="0"/>
-            <a:t>Repository</a:t>
+            <a:rPr lang="en-US" sz="2000" kern="1200" dirty="0"/>
+            <a:t>Entities</a:t>
           </a:r>
         </a:p>
       </dsp:txBody>
       <dsp:txXfrm>
-        <a:off x="23036" y="2309739"/>
-        <a:ext cx="3992526" cy="677072"/>
+        <a:off x="21650" y="1549355"/>
+        <a:ext cx="2691066" cy="676412"/>
       </dsp:txXfrm>
     </dsp:sp>
-    <dsp:sp modelId="{E472BABA-16BA-41BD-9578-790ACDA84264}">
+    <dsp:sp modelId="{A771BF75-FA03-4DE7-B782-1B90B78FABD7}">
       <dsp:nvSpPr>
         <dsp:cNvPr id="0" name=""/>
         <dsp:cNvSpPr/>
       </dsp:nvSpPr>
       <dsp:spPr>
         <a:xfrm>
-          <a:off x="1971" y="1526348"/>
-          <a:ext cx="4034656" cy="719202"/>
+          <a:off x="606" y="766688"/>
+          <a:ext cx="2733154" cy="718500"/>
         </a:xfrm>
         <a:prstGeom prst="roundRect">
           <a:avLst>
@@ -4399,12 +4542,12 @@
         </a:fontRef>
       </dsp:style>
       <dsp:txBody>
-        <a:bodyPr spcFirstLastPara="0" vert="horz" wrap="square" lIns="118110" tIns="118110" rIns="118110" bIns="118110" numCol="1" spcCol="1270" anchor="ctr" anchorCtr="0">
+        <a:bodyPr spcFirstLastPara="0" vert="horz" wrap="square" lIns="76200" tIns="76200" rIns="76200" bIns="76200" numCol="1" spcCol="1270" anchor="ctr" anchorCtr="0">
           <a:noAutofit/>
         </a:bodyPr>
         <a:lstStyle/>
         <a:p>
-          <a:pPr marL="0" lvl="0" indent="0" algn="ctr" defTabSz="1377950">
+          <a:pPr marL="0" lvl="0" indent="0" algn="ctr" defTabSz="889000">
             <a:lnSpc>
               <a:spcPct val="90000"/>
             </a:lnSpc>
@@ -4417,25 +4560,25 @@
             <a:buNone/>
           </a:pPr>
           <a:r>
-            <a:rPr lang="en-US" sz="3100" kern="1200" dirty="0"/>
-            <a:t>Domain Entities</a:t>
+            <a:rPr lang="en-US" sz="2000" kern="1200" dirty="0"/>
+            <a:t>Services</a:t>
           </a:r>
         </a:p>
       </dsp:txBody>
       <dsp:txXfrm>
-        <a:off x="23036" y="1547413"/>
-        <a:ext cx="3992526" cy="677072"/>
+        <a:off x="21650" y="787732"/>
+        <a:ext cx="2691066" cy="676412"/>
       </dsp:txXfrm>
     </dsp:sp>
-    <dsp:sp modelId="{A771BF75-FA03-4DE7-B782-1B90B78FABD7}">
+    <dsp:sp modelId="{6C16D025-7875-4BFA-9C2F-8A4A019500CF}">
       <dsp:nvSpPr>
         <dsp:cNvPr id="0" name=""/>
         <dsp:cNvSpPr/>
       </dsp:nvSpPr>
       <dsp:spPr>
         <a:xfrm>
-          <a:off x="1971" y="764022"/>
-          <a:ext cx="4034656" cy="719202"/>
+          <a:off x="606" y="5065"/>
+          <a:ext cx="2733154" cy="718500"/>
         </a:xfrm>
         <a:prstGeom prst="roundRect">
           <a:avLst>
@@ -4478,12 +4621,12 @@
         </a:fontRef>
       </dsp:style>
       <dsp:txBody>
-        <a:bodyPr spcFirstLastPara="0" vert="horz" wrap="square" lIns="118110" tIns="118110" rIns="118110" bIns="118110" numCol="1" spcCol="1270" anchor="ctr" anchorCtr="0">
+        <a:bodyPr spcFirstLastPara="0" vert="horz" wrap="square" lIns="76200" tIns="76200" rIns="76200" bIns="76200" numCol="1" spcCol="1270" anchor="ctr" anchorCtr="0">
           <a:noAutofit/>
         </a:bodyPr>
         <a:lstStyle/>
         <a:p>
-          <a:pPr marL="0" lvl="0" indent="0" algn="ctr" defTabSz="1377950">
+          <a:pPr marL="0" lvl="0" indent="0" algn="ctr" defTabSz="889000">
             <a:lnSpc>
               <a:spcPct val="90000"/>
             </a:lnSpc>
@@ -4496,25 +4639,25 @@
             <a:buNone/>
           </a:pPr>
           <a:r>
-            <a:rPr lang="en-US" sz="3100" kern="1200" dirty="0"/>
-            <a:t>Services</a:t>
+            <a:rPr lang="en-US" sz="2000" kern="1200" dirty="0"/>
+            <a:t>Controllers</a:t>
           </a:r>
         </a:p>
       </dsp:txBody>
       <dsp:txXfrm>
-        <a:off x="23036" y="785087"/>
-        <a:ext cx="3992526" cy="677072"/>
+        <a:off x="21650" y="26109"/>
+        <a:ext cx="2691066" cy="676412"/>
       </dsp:txXfrm>
     </dsp:sp>
-    <dsp:sp modelId="{6C16D025-7875-4BFA-9C2F-8A4A019500CF}">
+    <dsp:sp modelId="{F42EE2EC-3800-4B1D-8880-5CBC7C892919}">
       <dsp:nvSpPr>
         <dsp:cNvPr id="0" name=""/>
         <dsp:cNvSpPr/>
       </dsp:nvSpPr>
       <dsp:spPr>
         <a:xfrm>
-          <a:off x="1971" y="1697"/>
-          <a:ext cx="4034656" cy="719202"/>
+          <a:off x="3192930" y="1841"/>
+          <a:ext cx="845063" cy="3768217"/>
         </a:xfrm>
         <a:prstGeom prst="roundRect">
           <a:avLst>
@@ -4557,12 +4700,12 @@
         </a:fontRef>
       </dsp:style>
       <dsp:txBody>
-        <a:bodyPr spcFirstLastPara="0" vert="horz" wrap="square" lIns="118110" tIns="118110" rIns="118110" bIns="118110" numCol="1" spcCol="1270" anchor="ctr" anchorCtr="0">
+        <a:bodyPr spcFirstLastPara="0" vert="horz" wrap="square" lIns="76200" tIns="76200" rIns="76200" bIns="76200" numCol="1" spcCol="1270" anchor="ctr" anchorCtr="0">
           <a:noAutofit/>
         </a:bodyPr>
         <a:lstStyle/>
         <a:p>
-          <a:pPr marL="0" lvl="0" indent="0" algn="ctr" defTabSz="1377950">
+          <a:pPr marL="0" lvl="0" indent="0" algn="ctr" defTabSz="889000">
             <a:lnSpc>
               <a:spcPct val="90000"/>
             </a:lnSpc>
@@ -4575,14 +4718,14 @@
             <a:buNone/>
           </a:pPr>
           <a:r>
-            <a:rPr lang="en-US" sz="3100" kern="1200" dirty="0"/>
-            <a:t>Controllers</a:t>
+            <a:rPr lang="en-US" sz="2000" kern="1200" dirty="0"/>
+            <a:t>POJO</a:t>
           </a:r>
         </a:p>
       </dsp:txBody>
       <dsp:txXfrm>
-        <a:off x="23036" y="22762"/>
-        <a:ext cx="3992526" cy="677072"/>
+        <a:off x="3217681" y="26592"/>
+        <a:ext cx="795561" cy="3718715"/>
       </dsp:txXfrm>
     </dsp:sp>
   </dsp:spTree>
@@ -13112,7 +13255,7 @@
             <p:ph sz="half" idx="1"/>
             <p:extLst>
               <p:ext uri="{D42A27DB-BD31-4B8C-83A1-F6EECF244321}">
-                <p14:modId xmlns:p14="http://schemas.microsoft.com/office/powerpoint/2010/main" val="1529251995"/>
+                <p14:modId xmlns:p14="http://schemas.microsoft.com/office/powerpoint/2010/main" val="1670544053"/>
               </p:ext>
             </p:extLst>
           </p:nvPr>
@@ -13364,11 +13507,7 @@
           <a:p>
             <a:r>
               <a:rPr lang="en-ZA" dirty="0"/>
-              <a:t>Sh</a:t>
-            </a:r>
-            <a:r>
-              <a:rPr lang="en-ZA" dirty="0"/>
-              <a:t>ould have specials</a:t>
+              <a:t>Should have specials</a:t>
             </a:r>
           </a:p>
         </p:txBody>
@@ -13403,7 +13542,6 @@
               <a:rPr lang="en-ZA" dirty="0"/>
               <a:t>More relevant data per issue displayed</a:t>
             </a:r>
-            <a:endParaRPr lang="en-ZA" dirty="0"/>
           </a:p>
           <a:p>
             <a:pPr marL="0" indent="0">
@@ -13509,7 +13647,6 @@
               <a:rPr lang="en-ZA" dirty="0"/>
               <a:t>What We’ve Learned</a:t>
             </a:r>
-            <a:endParaRPr lang="en-ZA" dirty="0"/>
           </a:p>
           <a:p>
             <a:r>

--- a/Presentation/Entelect Software PowerPoint Template.pptx
+++ b/Presentation/Entelect Software PowerPoint Template.pptx
@@ -2993,7 +2993,20 @@
     </dgm:pt>
     <dgm:pt modelId="{EB8AF118-085E-49D9-B2E4-C10751F2A80F}">
       <dgm:prSet/>
-      <dgm:spPr/>
+      <dgm:spPr>
+        <a:solidFill>
+          <a:schemeClr val="bg1">
+            <a:lumMod val="65000"/>
+          </a:schemeClr>
+        </a:solidFill>
+        <a:ln>
+          <a:solidFill>
+            <a:schemeClr val="bg1">
+              <a:lumMod val="65000"/>
+            </a:schemeClr>
+          </a:solidFill>
+        </a:ln>
+      </dgm:spPr>
       <dgm:t>
         <a:bodyPr/>
         <a:lstStyle/>
@@ -3137,7 +3150,11 @@
     </dgm:pt>
     <dgm:pt modelId="{9413F27E-4AB8-49AA-B2E4-F03DDA642707}">
       <dgm:prSet/>
-      <dgm:spPr/>
+      <dgm:spPr>
+        <a:solidFill>
+          <a:schemeClr val="accent1"/>
+        </a:solidFill>
+      </dgm:spPr>
       <dgm:t>
         <a:bodyPr/>
         <a:lstStyle/>
@@ -3173,7 +3190,11 @@
     </dgm:pt>
     <dgm:pt modelId="{E5F33730-D993-4AC7-A04F-D2C5828A116E}">
       <dgm:prSet/>
-      <dgm:spPr/>
+      <dgm:spPr>
+        <a:solidFill>
+          <a:schemeClr val="accent1"/>
+        </a:solidFill>
+      </dgm:spPr>
       <dgm:t>
         <a:bodyPr/>
         <a:lstStyle/>
@@ -3197,6 +3218,49 @@
       </dgm:t>
     </dgm:pt>
     <dgm:pt modelId="{5A7BD2C4-F8D8-47BD-BFBC-A352AA62C8E4}" type="sibTrans" cxnId="{C27786C2-4FEF-4831-A5DF-3B4F8217CF07}">
+      <dgm:prSet/>
+      <dgm:spPr/>
+      <dgm:t>
+        <a:bodyPr/>
+        <a:lstStyle/>
+        <a:p>
+          <a:endParaRPr lang="en-US"/>
+        </a:p>
+      </dgm:t>
+    </dgm:pt>
+    <dgm:pt modelId="{2F193E6B-0E69-417D-81A9-C2BB35792333}">
+      <dgm:prSet/>
+      <dgm:spPr>
+        <a:solidFill>
+          <a:schemeClr val="tx1">
+            <a:lumMod val="60000"/>
+            <a:lumOff val="40000"/>
+          </a:schemeClr>
+        </a:solidFill>
+      </dgm:spPr>
+      <dgm:t>
+        <a:bodyPr/>
+        <a:lstStyle/>
+        <a:p>
+          <a:r>
+            <a:rPr lang="en-US" dirty="0"/>
+            <a:t>Application</a:t>
+          </a:r>
+        </a:p>
+      </dgm:t>
+    </dgm:pt>
+    <dgm:pt modelId="{F3634937-2BE8-4B20-979D-8C0D064F5E94}" type="parTrans" cxnId="{C5881BBE-D79C-43E9-88C2-319FE6F18AD3}">
+      <dgm:prSet/>
+      <dgm:spPr/>
+      <dgm:t>
+        <a:bodyPr/>
+        <a:lstStyle/>
+        <a:p>
+          <a:endParaRPr lang="en-US"/>
+        </a:p>
+      </dgm:t>
+    </dgm:pt>
+    <dgm:pt modelId="{B76D4FA2-9AD5-46D5-BC62-7F7077E9BD5E}" type="sibTrans" cxnId="{C5881BBE-D79C-43E9-88C2-319FE6F18AD3}">
       <dgm:prSet/>
       <dgm:spPr/>
       <dgm:t>
@@ -3292,7 +3356,7 @@
       <dgm:spPr/>
     </dgm:pt>
     <dgm:pt modelId="{A771BF75-FA03-4DE7-B782-1B90B78FABD7}" type="pres">
-      <dgm:prSet presAssocID="{0D762331-6414-4288-AE15-63CB3CA6AE99}" presName="txFour" presStyleLbl="node4" presStyleIdx="0" presStyleCnt="2">
+      <dgm:prSet presAssocID="{0D762331-6414-4288-AE15-63CB3CA6AE99}" presName="txFour" presStyleLbl="node4" presStyleIdx="0" presStyleCnt="3">
         <dgm:presLayoutVars>
           <dgm:chPref val="3"/>
         </dgm:presLayoutVars>
@@ -3316,15 +3380,43 @@
       <dgm:spPr/>
     </dgm:pt>
     <dgm:pt modelId="{6C16D025-7875-4BFA-9C2F-8A4A019500CF}" type="pres">
-      <dgm:prSet presAssocID="{9413F27E-4AB8-49AA-B2E4-F03DDA642707}" presName="txFour" presStyleLbl="node4" presStyleIdx="1" presStyleCnt="2">
+      <dgm:prSet presAssocID="{9413F27E-4AB8-49AA-B2E4-F03DDA642707}" presName="txFour" presStyleLbl="node4" presStyleIdx="1" presStyleCnt="3">
         <dgm:presLayoutVars>
           <dgm:chPref val="3"/>
         </dgm:presLayoutVars>
       </dgm:prSet>
       <dgm:spPr/>
     </dgm:pt>
+    <dgm:pt modelId="{6B53DD3C-D112-41C7-8494-F7CAE18FCE63}" type="pres">
+      <dgm:prSet presAssocID="{9413F27E-4AB8-49AA-B2E4-F03DDA642707}" presName="parTransFour" presStyleCnt="0"/>
+      <dgm:spPr/>
+    </dgm:pt>
     <dgm:pt modelId="{C8A21487-D4BB-41A9-96F1-B04702EEE259}" type="pres">
       <dgm:prSet presAssocID="{9413F27E-4AB8-49AA-B2E4-F03DDA642707}" presName="horzFour" presStyleCnt="0"/>
+      <dgm:spPr/>
+    </dgm:pt>
+    <dgm:pt modelId="{9F4A8226-8559-41C0-B281-56BD16EB9DC9}" type="pres">
+      <dgm:prSet presAssocID="{2F193E6B-0E69-417D-81A9-C2BB35792333}" presName="vertFour" presStyleCnt="0">
+        <dgm:presLayoutVars>
+          <dgm:chPref val="3"/>
+        </dgm:presLayoutVars>
+      </dgm:prSet>
+      <dgm:spPr/>
+    </dgm:pt>
+    <dgm:pt modelId="{2BEDFE7F-C64C-4469-BE04-A19476D64E09}" type="pres">
+      <dgm:prSet presAssocID="{2F193E6B-0E69-417D-81A9-C2BB35792333}" presName="txFour" presStyleLbl="node4" presStyleIdx="2" presStyleCnt="3" custLinFactNeighborX="16164" custLinFactNeighborY="-1993">
+        <dgm:presLayoutVars>
+          <dgm:chPref val="3"/>
+        </dgm:presLayoutVars>
+      </dgm:prSet>
+      <dgm:spPr>
+        <a:prstGeom prst="cube">
+          <a:avLst/>
+        </a:prstGeom>
+      </dgm:spPr>
+    </dgm:pt>
+    <dgm:pt modelId="{8BABD8DE-F49E-4878-BB83-17B6DD23759D}" type="pres">
+      <dgm:prSet presAssocID="{2F193E6B-0E69-417D-81A9-C2BB35792333}" presName="horzFour" presStyleCnt="0"/>
       <dgm:spPr/>
     </dgm:pt>
     <dgm:pt modelId="{830FA694-D639-45B2-8E98-3761F856EE4A}" type="pres">
@@ -3336,7 +3428,7 @@
       <dgm:spPr/>
     </dgm:pt>
     <dgm:pt modelId="{F42EE2EC-3800-4B1D-8880-5CBC7C892919}" type="pres">
-      <dgm:prSet presAssocID="{E5F33730-D993-4AC7-A04F-D2C5828A116E}" presName="txOne" presStyleLbl="node0" presStyleIdx="1" presStyleCnt="2" custScaleX="30919" custScaleY="524456">
+      <dgm:prSet presAssocID="{E5F33730-D993-4AC7-A04F-D2C5828A116E}" presName="txOne" presStyleLbl="node0" presStyleIdx="1" presStyleCnt="2" custScaleX="30919" custScaleY="524456" custLinFactNeighborX="-16328" custLinFactNeighborY="-1356">
         <dgm:presLayoutVars>
           <dgm:chPref val="3"/>
         </dgm:presLayoutVars>
@@ -3349,18 +3441,20 @@
     </dgm:pt>
   </dgm:ptLst>
   <dgm:cxnLst>
-    <dgm:cxn modelId="{B30BD942-BD93-4937-83D3-1759CA8725CC}" srcId="{C64D597D-D536-4790-8022-81EB72EF969B}" destId="{EB8AF118-085E-49D9-B2E4-C10751F2A80F}" srcOrd="0" destOrd="0" parTransId="{A040210A-E4C1-4333-A9E2-FF49D1C0975C}" sibTransId="{7743A5F2-37BF-4CC5-8CD4-6224A16B23DD}"/>
-    <dgm:cxn modelId="{CE05ACAD-37ED-4528-B149-ED852D34A493}" type="presOf" srcId="{9413F27E-4AB8-49AA-B2E4-F03DDA642707}" destId="{6C16D025-7875-4BFA-9C2F-8A4A019500CF}" srcOrd="0" destOrd="0" presId="urn:microsoft.com/office/officeart/2005/8/layout/architecture"/>
+    <dgm:cxn modelId="{08085D05-24C3-451B-B7FD-A7C413130ADF}" type="presOf" srcId="{2F193E6B-0E69-417D-81A9-C2BB35792333}" destId="{2BEDFE7F-C64C-4469-BE04-A19476D64E09}" srcOrd="0" destOrd="0" presId="urn:microsoft.com/office/officeart/2005/8/layout/architecture"/>
+    <dgm:cxn modelId="{EFDC7BA3-1084-4429-AFCF-1103BF834059}" type="presOf" srcId="{9014CDD5-0A78-42EC-A211-09B07D482131}" destId="{E472BABA-16BA-41BD-9578-790ACDA84264}" srcOrd="0" destOrd="0" presId="urn:microsoft.com/office/officeart/2005/8/layout/architecture"/>
     <dgm:cxn modelId="{E145F120-90AA-49B9-BCFD-AB82F7136501}" type="presOf" srcId="{C64D597D-D536-4790-8022-81EB72EF969B}" destId="{CFEDAF6D-1B24-49DD-8F01-CA87DE1F57A2}" srcOrd="0" destOrd="0" presId="urn:microsoft.com/office/officeart/2005/8/layout/architecture"/>
     <dgm:cxn modelId="{81082DEB-B560-4EC4-AEBB-2B3954EB8DD1}" srcId="{23C2E595-7EEB-462A-9CD3-C4A062841EEE}" destId="{9014CDD5-0A78-42EC-A211-09B07D482131}" srcOrd="0" destOrd="0" parTransId="{97E13024-7578-423D-8E84-945923F71F2E}" sibTransId="{904C4B7F-A7EE-4E92-AD7C-E97E71131ADF}"/>
-    <dgm:cxn modelId="{EFDC7BA3-1084-4429-AFCF-1103BF834059}" type="presOf" srcId="{9014CDD5-0A78-42EC-A211-09B07D482131}" destId="{E472BABA-16BA-41BD-9578-790ACDA84264}" srcOrd="0" destOrd="0" presId="urn:microsoft.com/office/officeart/2005/8/layout/architecture"/>
+    <dgm:cxn modelId="{CE05ACAD-37ED-4528-B149-ED852D34A493}" type="presOf" srcId="{9413F27E-4AB8-49AA-B2E4-F03DDA642707}" destId="{6C16D025-7875-4BFA-9C2F-8A4A019500CF}" srcOrd="0" destOrd="0" presId="urn:microsoft.com/office/officeart/2005/8/layout/architecture"/>
+    <dgm:cxn modelId="{C5881BBE-D79C-43E9-88C2-319FE6F18AD3}" srcId="{9413F27E-4AB8-49AA-B2E4-F03DDA642707}" destId="{2F193E6B-0E69-417D-81A9-C2BB35792333}" srcOrd="0" destOrd="0" parTransId="{F3634937-2BE8-4B20-979D-8C0D064F5E94}" sibTransId="{B76D4FA2-9AD5-46D5-BC62-7F7077E9BD5E}"/>
+    <dgm:cxn modelId="{B30BD942-BD93-4937-83D3-1759CA8725CC}" srcId="{C64D597D-D536-4790-8022-81EB72EF969B}" destId="{EB8AF118-085E-49D9-B2E4-C10751F2A80F}" srcOrd="0" destOrd="0" parTransId="{A040210A-E4C1-4333-A9E2-FF49D1C0975C}" sibTransId="{7743A5F2-37BF-4CC5-8CD4-6224A16B23DD}"/>
+    <dgm:cxn modelId="{80A7EE42-F92C-4541-880E-445EA2822D87}" type="presOf" srcId="{E5F33730-D993-4AC7-A04F-D2C5828A116E}" destId="{F42EE2EC-3800-4B1D-8880-5CBC7C892919}" srcOrd="0" destOrd="0" presId="urn:microsoft.com/office/officeart/2005/8/layout/architecture"/>
     <dgm:cxn modelId="{C27786C2-4FEF-4831-A5DF-3B4F8217CF07}" srcId="{C64D597D-D536-4790-8022-81EB72EF969B}" destId="{E5F33730-D993-4AC7-A04F-D2C5828A116E}" srcOrd="1" destOrd="0" parTransId="{50206D1E-3497-4A8A-8F62-F58DC8602D7E}" sibTransId="{5A7BD2C4-F8D8-47BD-BFBC-A352AA62C8E4}"/>
+    <dgm:cxn modelId="{82B75DFC-DFD6-492B-A689-0570A7DE8AC8}" srcId="{9014CDD5-0A78-42EC-A211-09B07D482131}" destId="{0D762331-6414-4288-AE15-63CB3CA6AE99}" srcOrd="0" destOrd="0" parTransId="{DA589A55-D53C-4B01-88C3-AF60F49EE226}" sibTransId="{914994BD-047D-46BA-9FB4-371FA1D85017}"/>
+    <dgm:cxn modelId="{A1C0727C-1515-4B2F-A290-3D98E2A3622B}" type="presOf" srcId="{0D762331-6414-4288-AE15-63CB3CA6AE99}" destId="{A771BF75-FA03-4DE7-B782-1B90B78FABD7}" srcOrd="0" destOrd="0" presId="urn:microsoft.com/office/officeart/2005/8/layout/architecture"/>
     <dgm:cxn modelId="{2AE7C358-5B19-4D69-8C6A-988807EC844E}" type="presOf" srcId="{23C2E595-7EEB-462A-9CD3-C4A062841EEE}" destId="{A7E687E4-89B4-4C1B-8F3D-D3E0CA959187}" srcOrd="0" destOrd="0" presId="urn:microsoft.com/office/officeart/2005/8/layout/architecture"/>
-    <dgm:cxn modelId="{A1C0727C-1515-4B2F-A290-3D98E2A3622B}" type="presOf" srcId="{0D762331-6414-4288-AE15-63CB3CA6AE99}" destId="{A771BF75-FA03-4DE7-B782-1B90B78FABD7}" srcOrd="0" destOrd="0" presId="urn:microsoft.com/office/officeart/2005/8/layout/architecture"/>
-    <dgm:cxn modelId="{80A7EE42-F92C-4541-880E-445EA2822D87}" type="presOf" srcId="{E5F33730-D993-4AC7-A04F-D2C5828A116E}" destId="{F42EE2EC-3800-4B1D-8880-5CBC7C892919}" srcOrd="0" destOrd="0" presId="urn:microsoft.com/office/officeart/2005/8/layout/architecture"/>
     <dgm:cxn modelId="{FA49449E-9502-4757-AE2A-25E3D087C64F}" type="presOf" srcId="{EB8AF118-085E-49D9-B2E4-C10751F2A80F}" destId="{F9AE5F85-A081-44E6-9342-4E07CCB561D8}" srcOrd="0" destOrd="0" presId="urn:microsoft.com/office/officeart/2005/8/layout/architecture"/>
     <dgm:cxn modelId="{80CE943B-0176-421E-AB8E-2B6A99114A16}" srcId="{EB8AF118-085E-49D9-B2E4-C10751F2A80F}" destId="{23C2E595-7EEB-462A-9CD3-C4A062841EEE}" srcOrd="0" destOrd="0" parTransId="{202187AC-B481-4A23-90E5-BDBDBD6443F4}" sibTransId="{1DDF1396-ED78-4E07-A0F0-C6E27B783547}"/>
-    <dgm:cxn modelId="{82B75DFC-DFD6-492B-A689-0570A7DE8AC8}" srcId="{9014CDD5-0A78-42EC-A211-09B07D482131}" destId="{0D762331-6414-4288-AE15-63CB3CA6AE99}" srcOrd="0" destOrd="0" parTransId="{DA589A55-D53C-4B01-88C3-AF60F49EE226}" sibTransId="{914994BD-047D-46BA-9FB4-371FA1D85017}"/>
     <dgm:cxn modelId="{40CE0BE0-43DB-431A-A8EC-38345D9F6B85}" srcId="{0D762331-6414-4288-AE15-63CB3CA6AE99}" destId="{9413F27E-4AB8-49AA-B2E4-F03DDA642707}" srcOrd="0" destOrd="0" parTransId="{E5625C72-4409-4080-9FA1-8F714D6D7D18}" sibTransId="{F3AE5049-14EB-4562-9A9C-5532CCD4F4AB}"/>
     <dgm:cxn modelId="{F712EFF1-ECDD-468C-B8DB-A24152C8E7B9}" type="presParOf" srcId="{CFEDAF6D-1B24-49DD-8F01-CA87DE1F57A2}" destId="{A0F2F79B-56E0-482F-B14E-7DD3CD09FE62}" srcOrd="0" destOrd="0" presId="urn:microsoft.com/office/officeart/2005/8/layout/architecture"/>
     <dgm:cxn modelId="{A1D7F09A-4197-45D2-9C73-0109A316DEA5}" type="presParOf" srcId="{A0F2F79B-56E0-482F-B14E-7DD3CD09FE62}" destId="{F9AE5F85-A081-44E6-9342-4E07CCB561D8}" srcOrd="0" destOrd="0" presId="urn:microsoft.com/office/officeart/2005/8/layout/architecture"/>
@@ -3380,7 +3474,11 @@
     <dgm:cxn modelId="{9B8A9515-2F0F-43D1-9D5E-FD6E76B4EA0A}" type="presParOf" srcId="{08962B09-D8E3-4A5A-AAB4-E3B9B07F399C}" destId="{A4FBB8C2-11BC-4781-BB26-489D10610B09}" srcOrd="2" destOrd="0" presId="urn:microsoft.com/office/officeart/2005/8/layout/architecture"/>
     <dgm:cxn modelId="{11522E5A-749C-4957-A27D-4B599C0DAB52}" type="presParOf" srcId="{A4FBB8C2-11BC-4781-BB26-489D10610B09}" destId="{3AF061A6-305A-413C-AB9F-20407E0D1B0A}" srcOrd="0" destOrd="0" presId="urn:microsoft.com/office/officeart/2005/8/layout/architecture"/>
     <dgm:cxn modelId="{A2C62C5D-9FAC-4A1C-9F50-66C0845F193A}" type="presParOf" srcId="{3AF061A6-305A-413C-AB9F-20407E0D1B0A}" destId="{6C16D025-7875-4BFA-9C2F-8A4A019500CF}" srcOrd="0" destOrd="0" presId="urn:microsoft.com/office/officeart/2005/8/layout/architecture"/>
-    <dgm:cxn modelId="{40B8BEB9-CC71-4BB7-8C49-35F41D610A38}" type="presParOf" srcId="{3AF061A6-305A-413C-AB9F-20407E0D1B0A}" destId="{C8A21487-D4BB-41A9-96F1-B04702EEE259}" srcOrd="1" destOrd="0" presId="urn:microsoft.com/office/officeart/2005/8/layout/architecture"/>
+    <dgm:cxn modelId="{A2C9A78D-2F8D-462A-A9CC-DBB00A7185D1}" type="presParOf" srcId="{3AF061A6-305A-413C-AB9F-20407E0D1B0A}" destId="{6B53DD3C-D112-41C7-8494-F7CAE18FCE63}" srcOrd="1" destOrd="0" presId="urn:microsoft.com/office/officeart/2005/8/layout/architecture"/>
+    <dgm:cxn modelId="{40B8BEB9-CC71-4BB7-8C49-35F41D610A38}" type="presParOf" srcId="{3AF061A6-305A-413C-AB9F-20407E0D1B0A}" destId="{C8A21487-D4BB-41A9-96F1-B04702EEE259}" srcOrd="2" destOrd="0" presId="urn:microsoft.com/office/officeart/2005/8/layout/architecture"/>
+    <dgm:cxn modelId="{29D23952-C892-4A6E-8DCB-BB10A3B1B1F3}" type="presParOf" srcId="{C8A21487-D4BB-41A9-96F1-B04702EEE259}" destId="{9F4A8226-8559-41C0-B281-56BD16EB9DC9}" srcOrd="0" destOrd="0" presId="urn:microsoft.com/office/officeart/2005/8/layout/architecture"/>
+    <dgm:cxn modelId="{98C1053E-8777-41D5-8DF3-5E58DFFD8DDA}" type="presParOf" srcId="{9F4A8226-8559-41C0-B281-56BD16EB9DC9}" destId="{2BEDFE7F-C64C-4469-BE04-A19476D64E09}" srcOrd="0" destOrd="0" presId="urn:microsoft.com/office/officeart/2005/8/layout/architecture"/>
+    <dgm:cxn modelId="{725067DE-1960-4125-9808-5C54032669DD}" type="presParOf" srcId="{9F4A8226-8559-41C0-B281-56BD16EB9DC9}" destId="{8BABD8DE-F49E-4878-BB83-17B6DD23759D}" srcOrd="1" destOrd="0" presId="urn:microsoft.com/office/officeart/2005/8/layout/architecture"/>
     <dgm:cxn modelId="{F674D202-F515-41EE-9F19-CC687DFB319E}" type="presParOf" srcId="{CFEDAF6D-1B24-49DD-8F01-CA87DE1F57A2}" destId="{830FA694-D639-45B2-8E98-3761F856EE4A}" srcOrd="1" destOrd="0" presId="urn:microsoft.com/office/officeart/2005/8/layout/architecture"/>
     <dgm:cxn modelId="{B10B5DB1-EE32-45A5-A9D2-29EA292D273C}" type="presParOf" srcId="{CFEDAF6D-1B24-49DD-8F01-CA87DE1F57A2}" destId="{DBD4C6BF-4D29-4B28-8BFB-BFAB548562EF}" srcOrd="2" destOrd="0" presId="urn:microsoft.com/office/officeart/2005/8/layout/architecture"/>
     <dgm:cxn modelId="{A2A45864-928D-4252-A4C9-41D525B42424}" type="presParOf" srcId="{DBD4C6BF-4D29-4B28-8BFB-BFAB548562EF}" destId="{F42EE2EC-3800-4B1D-8880-5CBC7C892919}" srcOrd="0" destOrd="0" presId="urn:microsoft.com/office/officeart/2005/8/layout/architecture"/>
@@ -4263,27 +4361,21 @@
       </dsp:nvSpPr>
       <dsp:spPr>
         <a:xfrm>
-          <a:off x="606" y="3051558"/>
-          <a:ext cx="2733154" cy="718500"/>
+          <a:off x="606" y="3172810"/>
+          <a:ext cx="2733154" cy="598567"/>
         </a:xfrm>
         <a:prstGeom prst="can">
           <a:avLst/>
         </a:prstGeom>
         <a:solidFill>
-          <a:schemeClr val="accent1">
-            <a:hueOff val="0"/>
-            <a:satOff val="0"/>
-            <a:lumOff val="0"/>
-            <a:alphaOff val="0"/>
+          <a:schemeClr val="bg1">
+            <a:lumMod val="65000"/>
           </a:schemeClr>
         </a:solidFill>
         <a:ln w="25400" cap="flat" cmpd="sng" algn="ctr">
           <a:solidFill>
-            <a:schemeClr val="lt1">
-              <a:hueOff val="0"/>
-              <a:satOff val="0"/>
-              <a:lumOff val="0"/>
-              <a:alphaOff val="0"/>
+            <a:schemeClr val="bg1">
+              <a:lumMod val="65000"/>
             </a:schemeClr>
           </a:solidFill>
           <a:prstDash val="solid"/>
@@ -4305,12 +4397,12 @@
         </a:fontRef>
       </dsp:style>
       <dsp:txBody>
-        <a:bodyPr spcFirstLastPara="0" vert="horz" wrap="square" lIns="76200" tIns="76200" rIns="76200" bIns="76200" numCol="1" spcCol="1270" anchor="ctr" anchorCtr="0">
+        <a:bodyPr spcFirstLastPara="0" vert="horz" wrap="square" lIns="64770" tIns="64770" rIns="64770" bIns="64770" numCol="1" spcCol="1270" anchor="ctr" anchorCtr="0">
           <a:noAutofit/>
         </a:bodyPr>
         <a:lstStyle/>
         <a:p>
-          <a:pPr marL="0" lvl="0" indent="0" algn="ctr" defTabSz="889000">
+          <a:pPr marL="0" lvl="0" indent="0" algn="ctr" defTabSz="755650">
             <a:lnSpc>
               <a:spcPct val="90000"/>
             </a:lnSpc>
@@ -4323,14 +4415,14 @@
             <a:buNone/>
           </a:pPr>
           <a:r>
-            <a:rPr lang="en-US" sz="2000" kern="1200" dirty="0"/>
+            <a:rPr lang="en-US" sz="1700" kern="1200" dirty="0"/>
             <a:t>Database</a:t>
           </a:r>
         </a:p>
       </dsp:txBody>
       <dsp:txXfrm>
-        <a:off x="606" y="3231183"/>
-        <a:ext cx="2733154" cy="449063"/>
+        <a:off x="606" y="3322452"/>
+        <a:ext cx="2733154" cy="374104"/>
       </dsp:txXfrm>
     </dsp:sp>
     <dsp:sp modelId="{A7E687E4-89B4-4C1B-8F3D-D3E0CA959187}">
@@ -4340,8 +4432,8 @@
       </dsp:nvSpPr>
       <dsp:spPr>
         <a:xfrm>
-          <a:off x="606" y="2289935"/>
-          <a:ext cx="2733154" cy="718500"/>
+          <a:off x="606" y="2538352"/>
+          <a:ext cx="2733154" cy="598567"/>
         </a:xfrm>
         <a:prstGeom prst="roundRect">
           <a:avLst>
@@ -4384,12 +4476,12 @@
         </a:fontRef>
       </dsp:style>
       <dsp:txBody>
-        <a:bodyPr spcFirstLastPara="0" vert="horz" wrap="square" lIns="76200" tIns="76200" rIns="76200" bIns="76200" numCol="1" spcCol="1270" anchor="ctr" anchorCtr="0">
+        <a:bodyPr spcFirstLastPara="0" vert="horz" wrap="square" lIns="64770" tIns="64770" rIns="64770" bIns="64770" numCol="1" spcCol="1270" anchor="ctr" anchorCtr="0">
           <a:noAutofit/>
         </a:bodyPr>
         <a:lstStyle/>
         <a:p>
-          <a:pPr marL="0" lvl="0" indent="0" algn="ctr" defTabSz="889000">
+          <a:pPr marL="0" lvl="0" indent="0" algn="ctr" defTabSz="755650">
             <a:lnSpc>
               <a:spcPct val="90000"/>
             </a:lnSpc>
@@ -4402,14 +4494,14 @@
             <a:buNone/>
           </a:pPr>
           <a:r>
-            <a:rPr lang="en-US" sz="2000" kern="1200" dirty="0"/>
+            <a:rPr lang="en-US" sz="1700" kern="1200" dirty="0"/>
             <a:t>Repository</a:t>
           </a:r>
         </a:p>
       </dsp:txBody>
       <dsp:txXfrm>
-        <a:off x="21650" y="2310979"/>
-        <a:ext cx="2691066" cy="676412"/>
+        <a:off x="18137" y="2555883"/>
+        <a:ext cx="2698092" cy="563505"/>
       </dsp:txXfrm>
     </dsp:sp>
     <dsp:sp modelId="{E472BABA-16BA-41BD-9578-790ACDA84264}">
@@ -4419,8 +4511,8 @@
       </dsp:nvSpPr>
       <dsp:spPr>
         <a:xfrm>
-          <a:off x="606" y="1528311"/>
-          <a:ext cx="2733154" cy="718500"/>
+          <a:off x="606" y="1903894"/>
+          <a:ext cx="2733154" cy="598567"/>
         </a:xfrm>
         <a:prstGeom prst="roundRect">
           <a:avLst>
@@ -4463,12 +4555,12 @@
         </a:fontRef>
       </dsp:style>
       <dsp:txBody>
-        <a:bodyPr spcFirstLastPara="0" vert="horz" wrap="square" lIns="76200" tIns="76200" rIns="76200" bIns="76200" numCol="1" spcCol="1270" anchor="ctr" anchorCtr="0">
+        <a:bodyPr spcFirstLastPara="0" vert="horz" wrap="square" lIns="64770" tIns="64770" rIns="64770" bIns="64770" numCol="1" spcCol="1270" anchor="ctr" anchorCtr="0">
           <a:noAutofit/>
         </a:bodyPr>
         <a:lstStyle/>
         <a:p>
-          <a:pPr marL="0" lvl="0" indent="0" algn="ctr" defTabSz="889000">
+          <a:pPr marL="0" lvl="0" indent="0" algn="ctr" defTabSz="755650">
             <a:lnSpc>
               <a:spcPct val="90000"/>
             </a:lnSpc>
@@ -4481,14 +4573,14 @@
             <a:buNone/>
           </a:pPr>
           <a:r>
-            <a:rPr lang="en-US" sz="2000" kern="1200" dirty="0"/>
+            <a:rPr lang="en-US" sz="1700" kern="1200" dirty="0"/>
             <a:t>Entities</a:t>
           </a:r>
         </a:p>
       </dsp:txBody>
       <dsp:txXfrm>
-        <a:off x="21650" y="1549355"/>
-        <a:ext cx="2691066" cy="676412"/>
+        <a:off x="18137" y="1921425"/>
+        <a:ext cx="2698092" cy="563505"/>
       </dsp:txXfrm>
     </dsp:sp>
     <dsp:sp modelId="{A771BF75-FA03-4DE7-B782-1B90B78FABD7}">
@@ -4498,8 +4590,8 @@
       </dsp:nvSpPr>
       <dsp:spPr>
         <a:xfrm>
-          <a:off x="606" y="766688"/>
-          <a:ext cx="2733154" cy="718500"/>
+          <a:off x="606" y="1269436"/>
+          <a:ext cx="2733154" cy="598567"/>
         </a:xfrm>
         <a:prstGeom prst="roundRect">
           <a:avLst>
@@ -4542,12 +4634,12 @@
         </a:fontRef>
       </dsp:style>
       <dsp:txBody>
-        <a:bodyPr spcFirstLastPara="0" vert="horz" wrap="square" lIns="76200" tIns="76200" rIns="76200" bIns="76200" numCol="1" spcCol="1270" anchor="ctr" anchorCtr="0">
+        <a:bodyPr spcFirstLastPara="0" vert="horz" wrap="square" lIns="64770" tIns="64770" rIns="64770" bIns="64770" numCol="1" spcCol="1270" anchor="ctr" anchorCtr="0">
           <a:noAutofit/>
         </a:bodyPr>
         <a:lstStyle/>
         <a:p>
-          <a:pPr marL="0" lvl="0" indent="0" algn="ctr" defTabSz="889000">
+          <a:pPr marL="0" lvl="0" indent="0" algn="ctr" defTabSz="755650">
             <a:lnSpc>
               <a:spcPct val="90000"/>
             </a:lnSpc>
@@ -4560,14 +4652,14 @@
             <a:buNone/>
           </a:pPr>
           <a:r>
-            <a:rPr lang="en-US" sz="2000" kern="1200" dirty="0"/>
+            <a:rPr lang="en-US" sz="1700" kern="1200" dirty="0"/>
             <a:t>Services</a:t>
           </a:r>
         </a:p>
       </dsp:txBody>
       <dsp:txXfrm>
-        <a:off x="21650" y="787732"/>
-        <a:ext cx="2691066" cy="676412"/>
+        <a:off x="18137" y="1286967"/>
+        <a:ext cx="2698092" cy="563505"/>
       </dsp:txXfrm>
     </dsp:sp>
     <dsp:sp modelId="{6C16D025-7875-4BFA-9C2F-8A4A019500CF}">
@@ -4577,8 +4669,8 @@
       </dsp:nvSpPr>
       <dsp:spPr>
         <a:xfrm>
-          <a:off x="606" y="5065"/>
-          <a:ext cx="2733154" cy="718500"/>
+          <a:off x="606" y="634978"/>
+          <a:ext cx="2733154" cy="598567"/>
         </a:xfrm>
         <a:prstGeom prst="roundRect">
           <a:avLst>
@@ -4586,11 +4678,81 @@
           </a:avLst>
         </a:prstGeom>
         <a:solidFill>
-          <a:schemeClr val="accent1">
-            <a:hueOff val="0"/>
-            <a:satOff val="0"/>
-            <a:lumOff val="0"/>
-            <a:alphaOff val="0"/>
+          <a:schemeClr val="accent1"/>
+        </a:solidFill>
+        <a:ln w="25400" cap="flat" cmpd="sng" algn="ctr">
+          <a:solidFill>
+            <a:schemeClr val="lt1">
+              <a:hueOff val="0"/>
+              <a:satOff val="0"/>
+              <a:lumOff val="0"/>
+              <a:alphaOff val="0"/>
+            </a:schemeClr>
+          </a:solidFill>
+          <a:prstDash val="solid"/>
+        </a:ln>
+        <a:effectLst/>
+      </dsp:spPr>
+      <dsp:style>
+        <a:lnRef idx="2">
+          <a:scrgbClr r="0" g="0" b="0"/>
+        </a:lnRef>
+        <a:fillRef idx="1">
+          <a:scrgbClr r="0" g="0" b="0"/>
+        </a:fillRef>
+        <a:effectRef idx="0">
+          <a:scrgbClr r="0" g="0" b="0"/>
+        </a:effectRef>
+        <a:fontRef idx="minor">
+          <a:schemeClr val="lt1"/>
+        </a:fontRef>
+      </dsp:style>
+      <dsp:txBody>
+        <a:bodyPr spcFirstLastPara="0" vert="horz" wrap="square" lIns="64770" tIns="64770" rIns="64770" bIns="64770" numCol="1" spcCol="1270" anchor="ctr" anchorCtr="0">
+          <a:noAutofit/>
+        </a:bodyPr>
+        <a:lstStyle/>
+        <a:p>
+          <a:pPr marL="0" lvl="0" indent="0" algn="ctr" defTabSz="755650">
+            <a:lnSpc>
+              <a:spcPct val="90000"/>
+            </a:lnSpc>
+            <a:spcBef>
+              <a:spcPct val="0"/>
+            </a:spcBef>
+            <a:spcAft>
+              <a:spcPct val="35000"/>
+            </a:spcAft>
+            <a:buNone/>
+          </a:pPr>
+          <a:r>
+            <a:rPr lang="en-US" sz="1700" kern="1200" dirty="0"/>
+            <a:t>Controllers</a:t>
+          </a:r>
+        </a:p>
+      </dsp:txBody>
+      <dsp:txXfrm>
+        <a:off x="18137" y="652509"/>
+        <a:ext cx="2698092" cy="563505"/>
+      </dsp:txXfrm>
+    </dsp:sp>
+    <dsp:sp modelId="{2BEDFE7F-C64C-4469-BE04-A19476D64E09}">
+      <dsp:nvSpPr>
+        <dsp:cNvPr id="0" name=""/>
+        <dsp:cNvSpPr/>
+      </dsp:nvSpPr>
+      <dsp:spPr>
+        <a:xfrm>
+          <a:off x="442393" y="0"/>
+          <a:ext cx="2733154" cy="598567"/>
+        </a:xfrm>
+        <a:prstGeom prst="cube">
+          <a:avLst/>
+        </a:prstGeom>
+        <a:solidFill>
+          <a:schemeClr val="tx1">
+            <a:lumMod val="60000"/>
+            <a:lumOff val="40000"/>
           </a:schemeClr>
         </a:solidFill>
         <a:ln w="25400" cap="flat" cmpd="sng" algn="ctr">
@@ -4621,12 +4783,12 @@
         </a:fontRef>
       </dsp:style>
       <dsp:txBody>
-        <a:bodyPr spcFirstLastPara="0" vert="horz" wrap="square" lIns="76200" tIns="76200" rIns="76200" bIns="76200" numCol="1" spcCol="1270" anchor="ctr" anchorCtr="0">
+        <a:bodyPr spcFirstLastPara="0" vert="horz" wrap="square" lIns="64770" tIns="64770" rIns="64770" bIns="64770" numCol="1" spcCol="1270" anchor="ctr" anchorCtr="0">
           <a:noAutofit/>
         </a:bodyPr>
         <a:lstStyle/>
         <a:p>
-          <a:pPr marL="0" lvl="0" indent="0" algn="ctr" defTabSz="889000">
+          <a:pPr marL="0" lvl="0" indent="0" algn="ctr" defTabSz="755650">
             <a:lnSpc>
               <a:spcPct val="90000"/>
             </a:lnSpc>
@@ -4639,14 +4801,14 @@
             <a:buNone/>
           </a:pPr>
           <a:r>
-            <a:rPr lang="en-US" sz="2000" kern="1200" dirty="0"/>
-            <a:t>Controllers</a:t>
+            <a:rPr lang="en-US" sz="1700" kern="1200" dirty="0"/>
+            <a:t>Application</a:t>
           </a:r>
         </a:p>
       </dsp:txBody>
       <dsp:txXfrm>
-        <a:off x="21650" y="26109"/>
-        <a:ext cx="2691066" cy="676412"/>
+        <a:off x="442393" y="149642"/>
+        <a:ext cx="2583512" cy="448925"/>
       </dsp:txXfrm>
     </dsp:sp>
     <dsp:sp modelId="{F42EE2EC-3800-4B1D-8880-5CBC7C892919}">
@@ -4656,8 +4818,8 @@
       </dsp:nvSpPr>
       <dsp:spPr>
         <a:xfrm>
-          <a:off x="3192930" y="1841"/>
-          <a:ext cx="845063" cy="3768217"/>
+          <a:off x="2746660" y="624035"/>
+          <a:ext cx="845063" cy="3139225"/>
         </a:xfrm>
         <a:prstGeom prst="roundRect">
           <a:avLst>
@@ -4665,12 +4827,7 @@
           </a:avLst>
         </a:prstGeom>
         <a:solidFill>
-          <a:schemeClr val="accent1">
-            <a:hueOff val="0"/>
-            <a:satOff val="0"/>
-            <a:lumOff val="0"/>
-            <a:alphaOff val="0"/>
-          </a:schemeClr>
+          <a:schemeClr val="accent1"/>
         </a:solidFill>
         <a:ln w="25400" cap="flat" cmpd="sng" algn="ctr">
           <a:solidFill>
@@ -4700,12 +4857,12 @@
         </a:fontRef>
       </dsp:style>
       <dsp:txBody>
-        <a:bodyPr spcFirstLastPara="0" vert="horz" wrap="square" lIns="76200" tIns="76200" rIns="76200" bIns="76200" numCol="1" spcCol="1270" anchor="ctr" anchorCtr="0">
+        <a:bodyPr spcFirstLastPara="0" vert="horz" wrap="square" lIns="64770" tIns="64770" rIns="64770" bIns="64770" numCol="1" spcCol="1270" anchor="ctr" anchorCtr="0">
           <a:noAutofit/>
         </a:bodyPr>
         <a:lstStyle/>
         <a:p>
-          <a:pPr marL="0" lvl="0" indent="0" algn="ctr" defTabSz="889000">
+          <a:pPr marL="0" lvl="0" indent="0" algn="ctr" defTabSz="755650">
             <a:lnSpc>
               <a:spcPct val="90000"/>
             </a:lnSpc>
@@ -4718,14 +4875,14 @@
             <a:buNone/>
           </a:pPr>
           <a:r>
-            <a:rPr lang="en-US" sz="2000" kern="1200" dirty="0"/>
+            <a:rPr lang="en-US" sz="1700" kern="1200" dirty="0"/>
             <a:t>POJO</a:t>
           </a:r>
         </a:p>
       </dsp:txBody>
       <dsp:txXfrm>
-        <a:off x="3217681" y="26592"/>
-        <a:ext cx="795561" cy="3718715"/>
+        <a:off x="2771411" y="648786"/>
+        <a:ext cx="795561" cy="3089723"/>
       </dsp:txXfrm>
     </dsp:sp>
   </dsp:spTree>
@@ -13255,14 +13412,14 @@
             <p:ph sz="half" idx="1"/>
             <p:extLst>
               <p:ext uri="{D42A27DB-BD31-4B8C-83A1-F6EECF244321}">
-                <p14:modId xmlns:p14="http://schemas.microsoft.com/office/powerpoint/2010/main" val="1670544053"/>
+                <p14:modId xmlns:p14="http://schemas.microsoft.com/office/powerpoint/2010/main" val="869215644"/>
               </p:ext>
             </p:extLst>
           </p:nvPr>
         </p:nvGraphicFramePr>
         <p:xfrm>
           <a:off x="457200" y="1333500"/>
-          <a:ext cx="4038600" cy="3771900"/>
+          <a:ext cx="4038600" cy="3771899"/>
         </p:xfrm>
         <a:graphic>
           <a:graphicData uri="http://schemas.openxmlformats.org/drawingml/2006/diagram">

--- a/Presentation/Entelect Software PowerPoint Template.pptx
+++ b/Presentation/Entelect Software PowerPoint Template.pptx
@@ -15,8 +15,8 @@
     <p:sldId id="276" r:id="rId3"/>
     <p:sldId id="281" r:id="rId4"/>
     <p:sldId id="282" r:id="rId5"/>
-    <p:sldId id="284" r:id="rId6"/>
-    <p:sldId id="285" r:id="rId7"/>
+    <p:sldId id="285" r:id="rId6"/>
+    <p:sldId id="284" r:id="rId7"/>
     <p:sldId id="283" r:id="rId8"/>
   </p:sldIdLst>
   <p:sldSz cx="9144000" cy="5715000" type="screen16x10"/>
@@ -3076,42 +3076,6 @@
         </a:p>
       </dgm:t>
     </dgm:pt>
-    <dgm:pt modelId="{9014CDD5-0A78-42EC-A211-09B07D482131}">
-      <dgm:prSet/>
-      <dgm:spPr/>
-      <dgm:t>
-        <a:bodyPr/>
-        <a:lstStyle/>
-        <a:p>
-          <a:r>
-            <a:rPr lang="en-US" dirty="0"/>
-            <a:t>Entities</a:t>
-          </a:r>
-        </a:p>
-      </dgm:t>
-    </dgm:pt>
-    <dgm:pt modelId="{97E13024-7578-423D-8E84-945923F71F2E}" type="parTrans" cxnId="{81082DEB-B560-4EC4-AEBB-2B3954EB8DD1}">
-      <dgm:prSet/>
-      <dgm:spPr/>
-      <dgm:t>
-        <a:bodyPr/>
-        <a:lstStyle/>
-        <a:p>
-          <a:endParaRPr lang="en-US"/>
-        </a:p>
-      </dgm:t>
-    </dgm:pt>
-    <dgm:pt modelId="{904C4B7F-A7EE-4E92-AD7C-E97E71131ADF}" type="sibTrans" cxnId="{81082DEB-B560-4EC4-AEBB-2B3954EB8DD1}">
-      <dgm:prSet/>
-      <dgm:spPr/>
-      <dgm:t>
-        <a:bodyPr/>
-        <a:lstStyle/>
-        <a:p>
-          <a:endParaRPr lang="en-US"/>
-        </a:p>
-      </dgm:t>
-    </dgm:pt>
     <dgm:pt modelId="{0D762331-6414-4288-AE15-63CB3CA6AE99}">
       <dgm:prSet/>
       <dgm:spPr/>
@@ -3327,48 +3291,24 @@
       <dgm:prSet presAssocID="{23C2E595-7EEB-462A-9CD3-C4A062841EEE}" presName="horzTwo" presStyleCnt="0"/>
       <dgm:spPr/>
     </dgm:pt>
-    <dgm:pt modelId="{6798E7AD-D81E-4C55-AB99-3DFD66DB7595}" type="pres">
-      <dgm:prSet presAssocID="{9014CDD5-0A78-42EC-A211-09B07D482131}" presName="vertThree" presStyleCnt="0"/>
+    <dgm:pt modelId="{F3514C8E-3CEE-468F-AFB1-84270CFC564B}" type="pres">
+      <dgm:prSet presAssocID="{0D762331-6414-4288-AE15-63CB3CA6AE99}" presName="vertThree" presStyleCnt="0"/>
       <dgm:spPr/>
     </dgm:pt>
-    <dgm:pt modelId="{E472BABA-16BA-41BD-9578-790ACDA84264}" type="pres">
-      <dgm:prSet presAssocID="{9014CDD5-0A78-42EC-A211-09B07D482131}" presName="txThree" presStyleLbl="node3" presStyleIdx="0" presStyleCnt="1">
+    <dgm:pt modelId="{017A685A-EEB9-4690-B362-6BF0FCF16CCF}" type="pres">
+      <dgm:prSet presAssocID="{0D762331-6414-4288-AE15-63CB3CA6AE99}" presName="txThree" presStyleLbl="node3" presStyleIdx="0" presStyleCnt="1">
         <dgm:presLayoutVars>
           <dgm:chPref val="3"/>
         </dgm:presLayoutVars>
       </dgm:prSet>
       <dgm:spPr/>
     </dgm:pt>
-    <dgm:pt modelId="{6F1D0674-8193-4629-9A5B-43DA35ABA1FC}" type="pres">
-      <dgm:prSet presAssocID="{9014CDD5-0A78-42EC-A211-09B07D482131}" presName="parTransThree" presStyleCnt="0"/>
+    <dgm:pt modelId="{3C7366D1-9F98-4CB7-8FFC-E64DE50AB6DB}" type="pres">
+      <dgm:prSet presAssocID="{0D762331-6414-4288-AE15-63CB3CA6AE99}" presName="parTransThree" presStyleCnt="0"/>
       <dgm:spPr/>
     </dgm:pt>
-    <dgm:pt modelId="{D76BA444-4123-43E7-9DE8-B4CC3F2AD321}" type="pres">
-      <dgm:prSet presAssocID="{9014CDD5-0A78-42EC-A211-09B07D482131}" presName="horzThree" presStyleCnt="0"/>
-      <dgm:spPr/>
-    </dgm:pt>
-    <dgm:pt modelId="{08962B09-D8E3-4A5A-AAB4-E3B9B07F399C}" type="pres">
-      <dgm:prSet presAssocID="{0D762331-6414-4288-AE15-63CB3CA6AE99}" presName="vertFour" presStyleCnt="0">
-        <dgm:presLayoutVars>
-          <dgm:chPref val="3"/>
-        </dgm:presLayoutVars>
-      </dgm:prSet>
-      <dgm:spPr/>
-    </dgm:pt>
-    <dgm:pt modelId="{A771BF75-FA03-4DE7-B782-1B90B78FABD7}" type="pres">
-      <dgm:prSet presAssocID="{0D762331-6414-4288-AE15-63CB3CA6AE99}" presName="txFour" presStyleLbl="node4" presStyleIdx="0" presStyleCnt="3">
-        <dgm:presLayoutVars>
-          <dgm:chPref val="3"/>
-        </dgm:presLayoutVars>
-      </dgm:prSet>
-      <dgm:spPr/>
-    </dgm:pt>
-    <dgm:pt modelId="{3C36DF74-6AB0-48F0-8ABE-11B3F96C7FB4}" type="pres">
-      <dgm:prSet presAssocID="{0D762331-6414-4288-AE15-63CB3CA6AE99}" presName="parTransFour" presStyleCnt="0"/>
-      <dgm:spPr/>
-    </dgm:pt>
-    <dgm:pt modelId="{A4FBB8C2-11BC-4781-BB26-489D10610B09}" type="pres">
-      <dgm:prSet presAssocID="{0D762331-6414-4288-AE15-63CB3CA6AE99}" presName="horzFour" presStyleCnt="0"/>
+    <dgm:pt modelId="{3880D03F-0ADA-4827-AD9C-C1A7278E072D}" type="pres">
+      <dgm:prSet presAssocID="{0D762331-6414-4288-AE15-63CB3CA6AE99}" presName="horzThree" presStyleCnt="0"/>
       <dgm:spPr/>
     </dgm:pt>
     <dgm:pt modelId="{3AF061A6-305A-413C-AB9F-20407E0D1B0A}" type="pres">
@@ -3380,7 +3320,7 @@
       <dgm:spPr/>
     </dgm:pt>
     <dgm:pt modelId="{6C16D025-7875-4BFA-9C2F-8A4A019500CF}" type="pres">
-      <dgm:prSet presAssocID="{9413F27E-4AB8-49AA-B2E4-F03DDA642707}" presName="txFour" presStyleLbl="node4" presStyleIdx="1" presStyleCnt="3">
+      <dgm:prSet presAssocID="{9413F27E-4AB8-49AA-B2E4-F03DDA642707}" presName="txFour" presStyleLbl="node4" presStyleIdx="0" presStyleCnt="2">
         <dgm:presLayoutVars>
           <dgm:chPref val="3"/>
         </dgm:presLayoutVars>
@@ -3404,7 +3344,7 @@
       <dgm:spPr/>
     </dgm:pt>
     <dgm:pt modelId="{2BEDFE7F-C64C-4469-BE04-A19476D64E09}" type="pres">
-      <dgm:prSet presAssocID="{2F193E6B-0E69-417D-81A9-C2BB35792333}" presName="txFour" presStyleLbl="node4" presStyleIdx="2" presStyleCnt="3" custLinFactNeighborX="16164" custLinFactNeighborY="-1993">
+      <dgm:prSet presAssocID="{2F193E6B-0E69-417D-81A9-C2BB35792333}" presName="txFour" presStyleLbl="node4" presStyleIdx="1" presStyleCnt="2" custLinFactNeighborX="16164" custLinFactNeighborY="-1993">
         <dgm:presLayoutVars>
           <dgm:chPref val="3"/>
         </dgm:presLayoutVars>
@@ -3428,7 +3368,7 @@
       <dgm:spPr/>
     </dgm:pt>
     <dgm:pt modelId="{F42EE2EC-3800-4B1D-8880-5CBC7C892919}" type="pres">
-      <dgm:prSet presAssocID="{E5F33730-D993-4AC7-A04F-D2C5828A116E}" presName="txOne" presStyleLbl="node0" presStyleIdx="1" presStyleCnt="2" custScaleX="30919" custScaleY="524456" custLinFactNeighborX="-16328" custLinFactNeighborY="-1356">
+      <dgm:prSet presAssocID="{E5F33730-D993-4AC7-A04F-D2C5828A116E}" presName="txOne" presStyleLbl="node0" presStyleIdx="1" presStyleCnt="2" custScaleX="30919" custScaleY="421270" custLinFactNeighborX="-16328" custLinFactNeighborY="-1356">
         <dgm:presLayoutVars>
           <dgm:chPref val="3"/>
         </dgm:presLayoutVars>
@@ -3441,20 +3381,18 @@
     </dgm:pt>
   </dgm:ptLst>
   <dgm:cxnLst>
-    <dgm:cxn modelId="{08085D05-24C3-451B-B7FD-A7C413130ADF}" type="presOf" srcId="{2F193E6B-0E69-417D-81A9-C2BB35792333}" destId="{2BEDFE7F-C64C-4469-BE04-A19476D64E09}" srcOrd="0" destOrd="0" presId="urn:microsoft.com/office/officeart/2005/8/layout/architecture"/>
-    <dgm:cxn modelId="{EFDC7BA3-1084-4429-AFCF-1103BF834059}" type="presOf" srcId="{9014CDD5-0A78-42EC-A211-09B07D482131}" destId="{E472BABA-16BA-41BD-9578-790ACDA84264}" srcOrd="0" destOrd="0" presId="urn:microsoft.com/office/officeart/2005/8/layout/architecture"/>
+    <dgm:cxn modelId="{B30BD942-BD93-4937-83D3-1759CA8725CC}" srcId="{C64D597D-D536-4790-8022-81EB72EF969B}" destId="{EB8AF118-085E-49D9-B2E4-C10751F2A80F}" srcOrd="0" destOrd="0" parTransId="{A040210A-E4C1-4333-A9E2-FF49D1C0975C}" sibTransId="{7743A5F2-37BF-4CC5-8CD4-6224A16B23DD}"/>
     <dgm:cxn modelId="{E145F120-90AA-49B9-BCFD-AB82F7136501}" type="presOf" srcId="{C64D597D-D536-4790-8022-81EB72EF969B}" destId="{CFEDAF6D-1B24-49DD-8F01-CA87DE1F57A2}" srcOrd="0" destOrd="0" presId="urn:microsoft.com/office/officeart/2005/8/layout/architecture"/>
-    <dgm:cxn modelId="{81082DEB-B560-4EC4-AEBB-2B3954EB8DD1}" srcId="{23C2E595-7EEB-462A-9CD3-C4A062841EEE}" destId="{9014CDD5-0A78-42EC-A211-09B07D482131}" srcOrd="0" destOrd="0" parTransId="{97E13024-7578-423D-8E84-945923F71F2E}" sibTransId="{904C4B7F-A7EE-4E92-AD7C-E97E71131ADF}"/>
-    <dgm:cxn modelId="{CE05ACAD-37ED-4528-B149-ED852D34A493}" type="presOf" srcId="{9413F27E-4AB8-49AA-B2E4-F03DDA642707}" destId="{6C16D025-7875-4BFA-9C2F-8A4A019500CF}" srcOrd="0" destOrd="0" presId="urn:microsoft.com/office/officeart/2005/8/layout/architecture"/>
+    <dgm:cxn modelId="{4620D033-1BD1-4C5A-A1AD-E671702A3AA7}" type="presOf" srcId="{0D762331-6414-4288-AE15-63CB3CA6AE99}" destId="{017A685A-EEB9-4690-B362-6BF0FCF16CCF}" srcOrd="0" destOrd="0" presId="urn:microsoft.com/office/officeart/2005/8/layout/architecture"/>
+    <dgm:cxn modelId="{2313435A-7352-4AD5-B74E-274465D26CC0}" type="presOf" srcId="{2F193E6B-0E69-417D-81A9-C2BB35792333}" destId="{2BEDFE7F-C64C-4469-BE04-A19476D64E09}" srcOrd="0" destOrd="0" presId="urn:microsoft.com/office/officeart/2005/8/layout/architecture"/>
+    <dgm:cxn modelId="{C27786C2-4FEF-4831-A5DF-3B4F8217CF07}" srcId="{C64D597D-D536-4790-8022-81EB72EF969B}" destId="{E5F33730-D993-4AC7-A04F-D2C5828A116E}" srcOrd="1" destOrd="0" parTransId="{50206D1E-3497-4A8A-8F62-F58DC8602D7E}" sibTransId="{5A7BD2C4-F8D8-47BD-BFBC-A352AA62C8E4}"/>
+    <dgm:cxn modelId="{2AE7C358-5B19-4D69-8C6A-988807EC844E}" type="presOf" srcId="{23C2E595-7EEB-462A-9CD3-C4A062841EEE}" destId="{A7E687E4-89B4-4C1B-8F3D-D3E0CA959187}" srcOrd="0" destOrd="0" presId="urn:microsoft.com/office/officeart/2005/8/layout/architecture"/>
+    <dgm:cxn modelId="{4B6E6878-2F6E-4033-8936-6DEA80DBB4F6}" type="presOf" srcId="{9413F27E-4AB8-49AA-B2E4-F03DDA642707}" destId="{6C16D025-7875-4BFA-9C2F-8A4A019500CF}" srcOrd="0" destOrd="0" presId="urn:microsoft.com/office/officeart/2005/8/layout/architecture"/>
+    <dgm:cxn modelId="{80A7EE42-F92C-4541-880E-445EA2822D87}" type="presOf" srcId="{E5F33730-D993-4AC7-A04F-D2C5828A116E}" destId="{F42EE2EC-3800-4B1D-8880-5CBC7C892919}" srcOrd="0" destOrd="0" presId="urn:microsoft.com/office/officeart/2005/8/layout/architecture"/>
     <dgm:cxn modelId="{C5881BBE-D79C-43E9-88C2-319FE6F18AD3}" srcId="{9413F27E-4AB8-49AA-B2E4-F03DDA642707}" destId="{2F193E6B-0E69-417D-81A9-C2BB35792333}" srcOrd="0" destOrd="0" parTransId="{F3634937-2BE8-4B20-979D-8C0D064F5E94}" sibTransId="{B76D4FA2-9AD5-46D5-BC62-7F7077E9BD5E}"/>
-    <dgm:cxn modelId="{B30BD942-BD93-4937-83D3-1759CA8725CC}" srcId="{C64D597D-D536-4790-8022-81EB72EF969B}" destId="{EB8AF118-085E-49D9-B2E4-C10751F2A80F}" srcOrd="0" destOrd="0" parTransId="{A040210A-E4C1-4333-A9E2-FF49D1C0975C}" sibTransId="{7743A5F2-37BF-4CC5-8CD4-6224A16B23DD}"/>
-    <dgm:cxn modelId="{80A7EE42-F92C-4541-880E-445EA2822D87}" type="presOf" srcId="{E5F33730-D993-4AC7-A04F-D2C5828A116E}" destId="{F42EE2EC-3800-4B1D-8880-5CBC7C892919}" srcOrd="0" destOrd="0" presId="urn:microsoft.com/office/officeart/2005/8/layout/architecture"/>
-    <dgm:cxn modelId="{C27786C2-4FEF-4831-A5DF-3B4F8217CF07}" srcId="{C64D597D-D536-4790-8022-81EB72EF969B}" destId="{E5F33730-D993-4AC7-A04F-D2C5828A116E}" srcOrd="1" destOrd="0" parTransId="{50206D1E-3497-4A8A-8F62-F58DC8602D7E}" sibTransId="{5A7BD2C4-F8D8-47BD-BFBC-A352AA62C8E4}"/>
-    <dgm:cxn modelId="{82B75DFC-DFD6-492B-A689-0570A7DE8AC8}" srcId="{9014CDD5-0A78-42EC-A211-09B07D482131}" destId="{0D762331-6414-4288-AE15-63CB3CA6AE99}" srcOrd="0" destOrd="0" parTransId="{DA589A55-D53C-4B01-88C3-AF60F49EE226}" sibTransId="{914994BD-047D-46BA-9FB4-371FA1D85017}"/>
-    <dgm:cxn modelId="{A1C0727C-1515-4B2F-A290-3D98E2A3622B}" type="presOf" srcId="{0D762331-6414-4288-AE15-63CB3CA6AE99}" destId="{A771BF75-FA03-4DE7-B782-1B90B78FABD7}" srcOrd="0" destOrd="0" presId="urn:microsoft.com/office/officeart/2005/8/layout/architecture"/>
-    <dgm:cxn modelId="{2AE7C358-5B19-4D69-8C6A-988807EC844E}" type="presOf" srcId="{23C2E595-7EEB-462A-9CD3-C4A062841EEE}" destId="{A7E687E4-89B4-4C1B-8F3D-D3E0CA959187}" srcOrd="0" destOrd="0" presId="urn:microsoft.com/office/officeart/2005/8/layout/architecture"/>
     <dgm:cxn modelId="{FA49449E-9502-4757-AE2A-25E3D087C64F}" type="presOf" srcId="{EB8AF118-085E-49D9-B2E4-C10751F2A80F}" destId="{F9AE5F85-A081-44E6-9342-4E07CCB561D8}" srcOrd="0" destOrd="0" presId="urn:microsoft.com/office/officeart/2005/8/layout/architecture"/>
     <dgm:cxn modelId="{80CE943B-0176-421E-AB8E-2B6A99114A16}" srcId="{EB8AF118-085E-49D9-B2E4-C10751F2A80F}" destId="{23C2E595-7EEB-462A-9CD3-C4A062841EEE}" srcOrd="0" destOrd="0" parTransId="{202187AC-B481-4A23-90E5-BDBDBD6443F4}" sibTransId="{1DDF1396-ED78-4E07-A0F0-C6E27B783547}"/>
+    <dgm:cxn modelId="{82B75DFC-DFD6-492B-A689-0570A7DE8AC8}" srcId="{23C2E595-7EEB-462A-9CD3-C4A062841EEE}" destId="{0D762331-6414-4288-AE15-63CB3CA6AE99}" srcOrd="0" destOrd="0" parTransId="{DA589A55-D53C-4B01-88C3-AF60F49EE226}" sibTransId="{914994BD-047D-46BA-9FB4-371FA1D85017}"/>
     <dgm:cxn modelId="{40CE0BE0-43DB-431A-A8EC-38345D9F6B85}" srcId="{0D762331-6414-4288-AE15-63CB3CA6AE99}" destId="{9413F27E-4AB8-49AA-B2E4-F03DDA642707}" srcOrd="0" destOrd="0" parTransId="{E5625C72-4409-4080-9FA1-8F714D6D7D18}" sibTransId="{F3AE5049-14EB-4562-9A9C-5532CCD4F4AB}"/>
     <dgm:cxn modelId="{F712EFF1-ECDD-468C-B8DB-A24152C8E7B9}" type="presParOf" srcId="{CFEDAF6D-1B24-49DD-8F01-CA87DE1F57A2}" destId="{A0F2F79B-56E0-482F-B14E-7DD3CD09FE62}" srcOrd="0" destOrd="0" presId="urn:microsoft.com/office/officeart/2005/8/layout/architecture"/>
     <dgm:cxn modelId="{A1D7F09A-4197-45D2-9C73-0109A316DEA5}" type="presParOf" srcId="{A0F2F79B-56E0-482F-B14E-7DD3CD09FE62}" destId="{F9AE5F85-A081-44E6-9342-4E07CCB561D8}" srcOrd="0" destOrd="0" presId="urn:microsoft.com/office/officeart/2005/8/layout/architecture"/>
@@ -3464,21 +3402,17 @@
     <dgm:cxn modelId="{B0184F31-3768-41B7-B908-579746E8A2B5}" type="presParOf" srcId="{544BAFA0-1BFE-4A49-B0EA-09F5F71F535E}" destId="{A7E687E4-89B4-4C1B-8F3D-D3E0CA959187}" srcOrd="0" destOrd="0" presId="urn:microsoft.com/office/officeart/2005/8/layout/architecture"/>
     <dgm:cxn modelId="{6357CEE4-9385-4C1E-9C44-511A8F912697}" type="presParOf" srcId="{544BAFA0-1BFE-4A49-B0EA-09F5F71F535E}" destId="{4F625C1C-CDBC-43AC-9E3B-1655F499A7C5}" srcOrd="1" destOrd="0" presId="urn:microsoft.com/office/officeart/2005/8/layout/architecture"/>
     <dgm:cxn modelId="{F09B146A-487F-4EFF-A104-ADBDE9ED3AF9}" type="presParOf" srcId="{544BAFA0-1BFE-4A49-B0EA-09F5F71F535E}" destId="{FA02B235-92FB-47E2-A4DC-07F0FC17C94C}" srcOrd="2" destOrd="0" presId="urn:microsoft.com/office/officeart/2005/8/layout/architecture"/>
-    <dgm:cxn modelId="{1F42248A-6CDB-4ABD-865F-4C4A4E309ACF}" type="presParOf" srcId="{FA02B235-92FB-47E2-A4DC-07F0FC17C94C}" destId="{6798E7AD-D81E-4C55-AB99-3DFD66DB7595}" srcOrd="0" destOrd="0" presId="urn:microsoft.com/office/officeart/2005/8/layout/architecture"/>
-    <dgm:cxn modelId="{B6781470-11A6-464F-B32E-04952E840ED9}" type="presParOf" srcId="{6798E7AD-D81E-4C55-AB99-3DFD66DB7595}" destId="{E472BABA-16BA-41BD-9578-790ACDA84264}" srcOrd="0" destOrd="0" presId="urn:microsoft.com/office/officeart/2005/8/layout/architecture"/>
-    <dgm:cxn modelId="{BD03B100-2BE0-4EBB-A936-3C6B784818D9}" type="presParOf" srcId="{6798E7AD-D81E-4C55-AB99-3DFD66DB7595}" destId="{6F1D0674-8193-4629-9A5B-43DA35ABA1FC}" srcOrd="1" destOrd="0" presId="urn:microsoft.com/office/officeart/2005/8/layout/architecture"/>
-    <dgm:cxn modelId="{E60E48CB-A686-4A2C-999A-CB4EF5BCA413}" type="presParOf" srcId="{6798E7AD-D81E-4C55-AB99-3DFD66DB7595}" destId="{D76BA444-4123-43E7-9DE8-B4CC3F2AD321}" srcOrd="2" destOrd="0" presId="urn:microsoft.com/office/officeart/2005/8/layout/architecture"/>
-    <dgm:cxn modelId="{7861BE52-2E19-484F-83C3-2B34AA0F2F64}" type="presParOf" srcId="{D76BA444-4123-43E7-9DE8-B4CC3F2AD321}" destId="{08962B09-D8E3-4A5A-AAB4-E3B9B07F399C}" srcOrd="0" destOrd="0" presId="urn:microsoft.com/office/officeart/2005/8/layout/architecture"/>
-    <dgm:cxn modelId="{73434424-DC63-4738-9416-BAFD305464DC}" type="presParOf" srcId="{08962B09-D8E3-4A5A-AAB4-E3B9B07F399C}" destId="{A771BF75-FA03-4DE7-B782-1B90B78FABD7}" srcOrd="0" destOrd="0" presId="urn:microsoft.com/office/officeart/2005/8/layout/architecture"/>
-    <dgm:cxn modelId="{BEF44AD6-D1C2-49FA-8EE2-CFAD23136F6D}" type="presParOf" srcId="{08962B09-D8E3-4A5A-AAB4-E3B9B07F399C}" destId="{3C36DF74-6AB0-48F0-8ABE-11B3F96C7FB4}" srcOrd="1" destOrd="0" presId="urn:microsoft.com/office/officeart/2005/8/layout/architecture"/>
-    <dgm:cxn modelId="{9B8A9515-2F0F-43D1-9D5E-FD6E76B4EA0A}" type="presParOf" srcId="{08962B09-D8E3-4A5A-AAB4-E3B9B07F399C}" destId="{A4FBB8C2-11BC-4781-BB26-489D10610B09}" srcOrd="2" destOrd="0" presId="urn:microsoft.com/office/officeart/2005/8/layout/architecture"/>
-    <dgm:cxn modelId="{11522E5A-749C-4957-A27D-4B599C0DAB52}" type="presParOf" srcId="{A4FBB8C2-11BC-4781-BB26-489D10610B09}" destId="{3AF061A6-305A-413C-AB9F-20407E0D1B0A}" srcOrd="0" destOrd="0" presId="urn:microsoft.com/office/officeart/2005/8/layout/architecture"/>
-    <dgm:cxn modelId="{A2C62C5D-9FAC-4A1C-9F50-66C0845F193A}" type="presParOf" srcId="{3AF061A6-305A-413C-AB9F-20407E0D1B0A}" destId="{6C16D025-7875-4BFA-9C2F-8A4A019500CF}" srcOrd="0" destOrd="0" presId="urn:microsoft.com/office/officeart/2005/8/layout/architecture"/>
-    <dgm:cxn modelId="{A2C9A78D-2F8D-462A-A9CC-DBB00A7185D1}" type="presParOf" srcId="{3AF061A6-305A-413C-AB9F-20407E0D1B0A}" destId="{6B53DD3C-D112-41C7-8494-F7CAE18FCE63}" srcOrd="1" destOrd="0" presId="urn:microsoft.com/office/officeart/2005/8/layout/architecture"/>
-    <dgm:cxn modelId="{40B8BEB9-CC71-4BB7-8C49-35F41D610A38}" type="presParOf" srcId="{3AF061A6-305A-413C-AB9F-20407E0D1B0A}" destId="{C8A21487-D4BB-41A9-96F1-B04702EEE259}" srcOrd="2" destOrd="0" presId="urn:microsoft.com/office/officeart/2005/8/layout/architecture"/>
-    <dgm:cxn modelId="{29D23952-C892-4A6E-8DCB-BB10A3B1B1F3}" type="presParOf" srcId="{C8A21487-D4BB-41A9-96F1-B04702EEE259}" destId="{9F4A8226-8559-41C0-B281-56BD16EB9DC9}" srcOrd="0" destOrd="0" presId="urn:microsoft.com/office/officeart/2005/8/layout/architecture"/>
-    <dgm:cxn modelId="{98C1053E-8777-41D5-8DF3-5E58DFFD8DDA}" type="presParOf" srcId="{9F4A8226-8559-41C0-B281-56BD16EB9DC9}" destId="{2BEDFE7F-C64C-4469-BE04-A19476D64E09}" srcOrd="0" destOrd="0" presId="urn:microsoft.com/office/officeart/2005/8/layout/architecture"/>
-    <dgm:cxn modelId="{725067DE-1960-4125-9808-5C54032669DD}" type="presParOf" srcId="{9F4A8226-8559-41C0-B281-56BD16EB9DC9}" destId="{8BABD8DE-F49E-4878-BB83-17B6DD23759D}" srcOrd="1" destOrd="0" presId="urn:microsoft.com/office/officeart/2005/8/layout/architecture"/>
+    <dgm:cxn modelId="{6BD5BF43-CCF5-4D74-BB02-A7CBE54E62E5}" type="presParOf" srcId="{FA02B235-92FB-47E2-A4DC-07F0FC17C94C}" destId="{F3514C8E-3CEE-468F-AFB1-84270CFC564B}" srcOrd="0" destOrd="0" presId="urn:microsoft.com/office/officeart/2005/8/layout/architecture"/>
+    <dgm:cxn modelId="{AE73151B-A284-449F-88B0-8668097E2AB4}" type="presParOf" srcId="{F3514C8E-3CEE-468F-AFB1-84270CFC564B}" destId="{017A685A-EEB9-4690-B362-6BF0FCF16CCF}" srcOrd="0" destOrd="0" presId="urn:microsoft.com/office/officeart/2005/8/layout/architecture"/>
+    <dgm:cxn modelId="{A41B41D5-719D-45F3-ABE7-85D7D160DC3A}" type="presParOf" srcId="{F3514C8E-3CEE-468F-AFB1-84270CFC564B}" destId="{3C7366D1-9F98-4CB7-8FFC-E64DE50AB6DB}" srcOrd="1" destOrd="0" presId="urn:microsoft.com/office/officeart/2005/8/layout/architecture"/>
+    <dgm:cxn modelId="{BF9372E9-F205-42EF-AE11-1605A8D86C26}" type="presParOf" srcId="{F3514C8E-3CEE-468F-AFB1-84270CFC564B}" destId="{3880D03F-0ADA-4827-AD9C-C1A7278E072D}" srcOrd="2" destOrd="0" presId="urn:microsoft.com/office/officeart/2005/8/layout/architecture"/>
+    <dgm:cxn modelId="{6D3A36B1-E239-4403-A57A-F2736CD9A5F1}" type="presParOf" srcId="{3880D03F-0ADA-4827-AD9C-C1A7278E072D}" destId="{3AF061A6-305A-413C-AB9F-20407E0D1B0A}" srcOrd="0" destOrd="0" presId="urn:microsoft.com/office/officeart/2005/8/layout/architecture"/>
+    <dgm:cxn modelId="{56721979-0222-4C27-9BD2-C50E850DF0FE}" type="presParOf" srcId="{3AF061A6-305A-413C-AB9F-20407E0D1B0A}" destId="{6C16D025-7875-4BFA-9C2F-8A4A019500CF}" srcOrd="0" destOrd="0" presId="urn:microsoft.com/office/officeart/2005/8/layout/architecture"/>
+    <dgm:cxn modelId="{C9E28E8D-1504-4D51-B54C-5BDEA696D29C}" type="presParOf" srcId="{3AF061A6-305A-413C-AB9F-20407E0D1B0A}" destId="{6B53DD3C-D112-41C7-8494-F7CAE18FCE63}" srcOrd="1" destOrd="0" presId="urn:microsoft.com/office/officeart/2005/8/layout/architecture"/>
+    <dgm:cxn modelId="{3EE4F536-6DC1-4EA3-98A1-532308E84D82}" type="presParOf" srcId="{3AF061A6-305A-413C-AB9F-20407E0D1B0A}" destId="{C8A21487-D4BB-41A9-96F1-B04702EEE259}" srcOrd="2" destOrd="0" presId="urn:microsoft.com/office/officeart/2005/8/layout/architecture"/>
+    <dgm:cxn modelId="{9CE1C2E0-4694-4555-8872-755EC565D135}" type="presParOf" srcId="{C8A21487-D4BB-41A9-96F1-B04702EEE259}" destId="{9F4A8226-8559-41C0-B281-56BD16EB9DC9}" srcOrd="0" destOrd="0" presId="urn:microsoft.com/office/officeart/2005/8/layout/architecture"/>
+    <dgm:cxn modelId="{475E937C-A99E-4B7F-8185-BED29E413651}" type="presParOf" srcId="{9F4A8226-8559-41C0-B281-56BD16EB9DC9}" destId="{2BEDFE7F-C64C-4469-BE04-A19476D64E09}" srcOrd="0" destOrd="0" presId="urn:microsoft.com/office/officeart/2005/8/layout/architecture"/>
+    <dgm:cxn modelId="{739815C7-EAA0-47CD-8E28-B195E4F125C9}" type="presParOf" srcId="{9F4A8226-8559-41C0-B281-56BD16EB9DC9}" destId="{8BABD8DE-F49E-4878-BB83-17B6DD23759D}" srcOrd="1" destOrd="0" presId="urn:microsoft.com/office/officeart/2005/8/layout/architecture"/>
     <dgm:cxn modelId="{F674D202-F515-41EE-9F19-CC687DFB319E}" type="presParOf" srcId="{CFEDAF6D-1B24-49DD-8F01-CA87DE1F57A2}" destId="{830FA694-D639-45B2-8E98-3761F856EE4A}" srcOrd="1" destOrd="0" presId="urn:microsoft.com/office/officeart/2005/8/layout/architecture"/>
     <dgm:cxn modelId="{B10B5DB1-EE32-45A5-A9D2-29EA292D273C}" type="presParOf" srcId="{CFEDAF6D-1B24-49DD-8F01-CA87DE1F57A2}" destId="{DBD4C6BF-4D29-4B28-8BFB-BFAB548562EF}" srcOrd="2" destOrd="0" presId="urn:microsoft.com/office/officeart/2005/8/layout/architecture"/>
     <dgm:cxn modelId="{A2A45864-928D-4252-A4C9-41D525B42424}" type="presParOf" srcId="{DBD4C6BF-4D29-4B28-8BFB-BFAB548562EF}" destId="{F42EE2EC-3800-4B1D-8880-5CBC7C892919}" srcOrd="0" destOrd="0" presId="urn:microsoft.com/office/officeart/2005/8/layout/architecture"/>
@@ -4361,8 +4295,8 @@
       </dsp:nvSpPr>
       <dsp:spPr>
         <a:xfrm>
-          <a:off x="606" y="3172810"/>
-          <a:ext cx="2733154" cy="598567"/>
+          <a:off x="606" y="3050999"/>
+          <a:ext cx="2733154" cy="719202"/>
         </a:xfrm>
         <a:prstGeom prst="can">
           <a:avLst/>
@@ -4397,12 +4331,12 @@
         </a:fontRef>
       </dsp:style>
       <dsp:txBody>
-        <a:bodyPr spcFirstLastPara="0" vert="horz" wrap="square" lIns="64770" tIns="64770" rIns="64770" bIns="64770" numCol="1" spcCol="1270" anchor="ctr" anchorCtr="0">
+        <a:bodyPr spcFirstLastPara="0" vert="horz" wrap="square" lIns="76200" tIns="76200" rIns="76200" bIns="76200" numCol="1" spcCol="1270" anchor="ctr" anchorCtr="0">
           <a:noAutofit/>
         </a:bodyPr>
         <a:lstStyle/>
         <a:p>
-          <a:pPr marL="0" lvl="0" indent="0" algn="ctr" defTabSz="755650">
+          <a:pPr marL="0" lvl="0" indent="0" algn="ctr" defTabSz="889000">
             <a:lnSpc>
               <a:spcPct val="90000"/>
             </a:lnSpc>
@@ -4415,14 +4349,14 @@
             <a:buNone/>
           </a:pPr>
           <a:r>
-            <a:rPr lang="en-US" sz="1700" kern="1200" dirty="0"/>
+            <a:rPr lang="en-US" sz="2000" kern="1200" dirty="0"/>
             <a:t>Database</a:t>
           </a:r>
         </a:p>
       </dsp:txBody>
       <dsp:txXfrm>
-        <a:off x="606" y="3322452"/>
-        <a:ext cx="2733154" cy="374104"/>
+        <a:off x="606" y="3230800"/>
+        <a:ext cx="2733154" cy="449501"/>
       </dsp:txXfrm>
     </dsp:sp>
     <dsp:sp modelId="{A7E687E4-89B4-4C1B-8F3D-D3E0CA959187}">
@@ -4432,8 +4366,8 @@
       </dsp:nvSpPr>
       <dsp:spPr>
         <a:xfrm>
-          <a:off x="606" y="2538352"/>
-          <a:ext cx="2733154" cy="598567"/>
+          <a:off x="606" y="2288673"/>
+          <a:ext cx="2733154" cy="719202"/>
         </a:xfrm>
         <a:prstGeom prst="roundRect">
           <a:avLst>
@@ -4476,12 +4410,12 @@
         </a:fontRef>
       </dsp:style>
       <dsp:txBody>
-        <a:bodyPr spcFirstLastPara="0" vert="horz" wrap="square" lIns="64770" tIns="64770" rIns="64770" bIns="64770" numCol="1" spcCol="1270" anchor="ctr" anchorCtr="0">
+        <a:bodyPr spcFirstLastPara="0" vert="horz" wrap="square" lIns="76200" tIns="76200" rIns="76200" bIns="76200" numCol="1" spcCol="1270" anchor="ctr" anchorCtr="0">
           <a:noAutofit/>
         </a:bodyPr>
         <a:lstStyle/>
         <a:p>
-          <a:pPr marL="0" lvl="0" indent="0" algn="ctr" defTabSz="755650">
+          <a:pPr marL="0" lvl="0" indent="0" algn="ctr" defTabSz="889000">
             <a:lnSpc>
               <a:spcPct val="90000"/>
             </a:lnSpc>
@@ -4494,25 +4428,25 @@
             <a:buNone/>
           </a:pPr>
           <a:r>
-            <a:rPr lang="en-US" sz="1700" kern="1200" dirty="0"/>
+            <a:rPr lang="en-US" sz="2000" kern="1200" dirty="0"/>
             <a:t>Repository</a:t>
           </a:r>
         </a:p>
       </dsp:txBody>
       <dsp:txXfrm>
-        <a:off x="18137" y="2555883"/>
-        <a:ext cx="2698092" cy="563505"/>
+        <a:off x="21671" y="2309738"/>
+        <a:ext cx="2691024" cy="677072"/>
       </dsp:txXfrm>
     </dsp:sp>
-    <dsp:sp modelId="{E472BABA-16BA-41BD-9578-790ACDA84264}">
+    <dsp:sp modelId="{017A685A-EEB9-4690-B362-6BF0FCF16CCF}">
       <dsp:nvSpPr>
         <dsp:cNvPr id="0" name=""/>
         <dsp:cNvSpPr/>
       </dsp:nvSpPr>
       <dsp:spPr>
         <a:xfrm>
-          <a:off x="606" y="1903894"/>
-          <a:ext cx="2733154" cy="598567"/>
+          <a:off x="606" y="1526348"/>
+          <a:ext cx="2733154" cy="719202"/>
         </a:xfrm>
         <a:prstGeom prst="roundRect">
           <a:avLst>
@@ -4555,12 +4489,12 @@
         </a:fontRef>
       </dsp:style>
       <dsp:txBody>
-        <a:bodyPr spcFirstLastPara="0" vert="horz" wrap="square" lIns="64770" tIns="64770" rIns="64770" bIns="64770" numCol="1" spcCol="1270" anchor="ctr" anchorCtr="0">
+        <a:bodyPr spcFirstLastPara="0" vert="horz" wrap="square" lIns="76200" tIns="76200" rIns="76200" bIns="76200" numCol="1" spcCol="1270" anchor="ctr" anchorCtr="0">
           <a:noAutofit/>
         </a:bodyPr>
         <a:lstStyle/>
         <a:p>
-          <a:pPr marL="0" lvl="0" indent="0" algn="ctr" defTabSz="755650">
+          <a:pPr marL="0" lvl="0" indent="0" algn="ctr" defTabSz="889000">
             <a:lnSpc>
               <a:spcPct val="90000"/>
             </a:lnSpc>
@@ -4573,93 +4507,14 @@
             <a:buNone/>
           </a:pPr>
           <a:r>
-            <a:rPr lang="en-US" sz="1700" kern="1200" dirty="0"/>
-            <a:t>Entities</a:t>
-          </a:r>
-        </a:p>
-      </dsp:txBody>
-      <dsp:txXfrm>
-        <a:off x="18137" y="1921425"/>
-        <a:ext cx="2698092" cy="563505"/>
-      </dsp:txXfrm>
-    </dsp:sp>
-    <dsp:sp modelId="{A771BF75-FA03-4DE7-B782-1B90B78FABD7}">
-      <dsp:nvSpPr>
-        <dsp:cNvPr id="0" name=""/>
-        <dsp:cNvSpPr/>
-      </dsp:nvSpPr>
-      <dsp:spPr>
-        <a:xfrm>
-          <a:off x="606" y="1269436"/>
-          <a:ext cx="2733154" cy="598567"/>
-        </a:xfrm>
-        <a:prstGeom prst="roundRect">
-          <a:avLst>
-            <a:gd name="adj" fmla="val 10000"/>
-          </a:avLst>
-        </a:prstGeom>
-        <a:solidFill>
-          <a:schemeClr val="accent1">
-            <a:hueOff val="0"/>
-            <a:satOff val="0"/>
-            <a:lumOff val="0"/>
-            <a:alphaOff val="0"/>
-          </a:schemeClr>
-        </a:solidFill>
-        <a:ln w="25400" cap="flat" cmpd="sng" algn="ctr">
-          <a:solidFill>
-            <a:schemeClr val="lt1">
-              <a:hueOff val="0"/>
-              <a:satOff val="0"/>
-              <a:lumOff val="0"/>
-              <a:alphaOff val="0"/>
-            </a:schemeClr>
-          </a:solidFill>
-          <a:prstDash val="solid"/>
-        </a:ln>
-        <a:effectLst/>
-      </dsp:spPr>
-      <dsp:style>
-        <a:lnRef idx="2">
-          <a:scrgbClr r="0" g="0" b="0"/>
-        </a:lnRef>
-        <a:fillRef idx="1">
-          <a:scrgbClr r="0" g="0" b="0"/>
-        </a:fillRef>
-        <a:effectRef idx="0">
-          <a:scrgbClr r="0" g="0" b="0"/>
-        </a:effectRef>
-        <a:fontRef idx="minor">
-          <a:schemeClr val="lt1"/>
-        </a:fontRef>
-      </dsp:style>
-      <dsp:txBody>
-        <a:bodyPr spcFirstLastPara="0" vert="horz" wrap="square" lIns="64770" tIns="64770" rIns="64770" bIns="64770" numCol="1" spcCol="1270" anchor="ctr" anchorCtr="0">
-          <a:noAutofit/>
-        </a:bodyPr>
-        <a:lstStyle/>
-        <a:p>
-          <a:pPr marL="0" lvl="0" indent="0" algn="ctr" defTabSz="755650">
-            <a:lnSpc>
-              <a:spcPct val="90000"/>
-            </a:lnSpc>
-            <a:spcBef>
-              <a:spcPct val="0"/>
-            </a:spcBef>
-            <a:spcAft>
-              <a:spcPct val="35000"/>
-            </a:spcAft>
-            <a:buNone/>
-          </a:pPr>
-          <a:r>
-            <a:rPr lang="en-US" sz="1700" kern="1200" dirty="0"/>
+            <a:rPr lang="en-US" sz="2000" kern="1200" dirty="0"/>
             <a:t>Services</a:t>
           </a:r>
         </a:p>
       </dsp:txBody>
       <dsp:txXfrm>
-        <a:off x="18137" y="1286967"/>
-        <a:ext cx="2698092" cy="563505"/>
+        <a:off x="21671" y="1547413"/>
+        <a:ext cx="2691024" cy="677072"/>
       </dsp:txXfrm>
     </dsp:sp>
     <dsp:sp modelId="{6C16D025-7875-4BFA-9C2F-8A4A019500CF}">
@@ -4669,8 +4524,8 @@
       </dsp:nvSpPr>
       <dsp:spPr>
         <a:xfrm>
-          <a:off x="606" y="634978"/>
-          <a:ext cx="2733154" cy="598567"/>
+          <a:off x="606" y="764022"/>
+          <a:ext cx="2733154" cy="719202"/>
         </a:xfrm>
         <a:prstGeom prst="roundRect">
           <a:avLst>
@@ -4708,12 +4563,12 @@
         </a:fontRef>
       </dsp:style>
       <dsp:txBody>
-        <a:bodyPr spcFirstLastPara="0" vert="horz" wrap="square" lIns="64770" tIns="64770" rIns="64770" bIns="64770" numCol="1" spcCol="1270" anchor="ctr" anchorCtr="0">
+        <a:bodyPr spcFirstLastPara="0" vert="horz" wrap="square" lIns="76200" tIns="76200" rIns="76200" bIns="76200" numCol="1" spcCol="1270" anchor="ctr" anchorCtr="0">
           <a:noAutofit/>
         </a:bodyPr>
         <a:lstStyle/>
         <a:p>
-          <a:pPr marL="0" lvl="0" indent="0" algn="ctr" defTabSz="755650">
+          <a:pPr marL="0" lvl="0" indent="0" algn="ctr" defTabSz="889000">
             <a:lnSpc>
               <a:spcPct val="90000"/>
             </a:lnSpc>
@@ -4726,14 +4581,14 @@
             <a:buNone/>
           </a:pPr>
           <a:r>
-            <a:rPr lang="en-US" sz="1700" kern="1200" dirty="0"/>
+            <a:rPr lang="en-US" sz="2000" kern="1200" dirty="0"/>
             <a:t>Controllers</a:t>
           </a:r>
         </a:p>
       </dsp:txBody>
       <dsp:txXfrm>
-        <a:off x="18137" y="652509"/>
-        <a:ext cx="2698092" cy="563505"/>
+        <a:off x="21671" y="785087"/>
+        <a:ext cx="2691024" cy="677072"/>
       </dsp:txXfrm>
     </dsp:sp>
     <dsp:sp modelId="{2BEDFE7F-C64C-4469-BE04-A19476D64E09}">
@@ -4744,7 +4599,7 @@
       <dsp:spPr>
         <a:xfrm>
           <a:off x="442393" y="0"/>
-          <a:ext cx="2733154" cy="598567"/>
+          <a:ext cx="2733154" cy="719202"/>
         </a:xfrm>
         <a:prstGeom prst="cube">
           <a:avLst/>
@@ -4783,12 +4638,12 @@
         </a:fontRef>
       </dsp:style>
       <dsp:txBody>
-        <a:bodyPr spcFirstLastPara="0" vert="horz" wrap="square" lIns="64770" tIns="64770" rIns="64770" bIns="64770" numCol="1" spcCol="1270" anchor="ctr" anchorCtr="0">
+        <a:bodyPr spcFirstLastPara="0" vert="horz" wrap="square" lIns="76200" tIns="76200" rIns="76200" bIns="76200" numCol="1" spcCol="1270" anchor="ctr" anchorCtr="0">
           <a:noAutofit/>
         </a:bodyPr>
         <a:lstStyle/>
         <a:p>
-          <a:pPr marL="0" lvl="0" indent="0" algn="ctr" defTabSz="755650">
+          <a:pPr marL="0" lvl="0" indent="0" algn="ctr" defTabSz="889000">
             <a:lnSpc>
               <a:spcPct val="90000"/>
             </a:lnSpc>
@@ -4801,14 +4656,14 @@
             <a:buNone/>
           </a:pPr>
           <a:r>
-            <a:rPr lang="en-US" sz="1700" kern="1200" dirty="0"/>
+            <a:rPr lang="en-US" sz="2000" kern="1200" dirty="0"/>
             <a:t>Application</a:t>
           </a:r>
         </a:p>
       </dsp:txBody>
       <dsp:txXfrm>
-        <a:off x="442393" y="149642"/>
-        <a:ext cx="2583512" cy="448925"/>
+        <a:off x="442393" y="179801"/>
+        <a:ext cx="2553354" cy="539401"/>
       </dsp:txXfrm>
     </dsp:sp>
     <dsp:sp modelId="{F42EE2EC-3800-4B1D-8880-5CBC7C892919}">
@@ -4818,8 +4673,8 @@
       </dsp:nvSpPr>
       <dsp:spPr>
         <a:xfrm>
-          <a:off x="2746660" y="624035"/>
-          <a:ext cx="845063" cy="3139225"/>
+          <a:off x="2746660" y="730665"/>
+          <a:ext cx="845063" cy="3029784"/>
         </a:xfrm>
         <a:prstGeom prst="roundRect">
           <a:avLst>
@@ -4857,12 +4712,12 @@
         </a:fontRef>
       </dsp:style>
       <dsp:txBody>
-        <a:bodyPr spcFirstLastPara="0" vert="horz" wrap="square" lIns="64770" tIns="64770" rIns="64770" bIns="64770" numCol="1" spcCol="1270" anchor="ctr" anchorCtr="0">
+        <a:bodyPr spcFirstLastPara="0" vert="horz" wrap="square" lIns="76200" tIns="76200" rIns="76200" bIns="76200" numCol="1" spcCol="1270" anchor="ctr" anchorCtr="0">
           <a:noAutofit/>
         </a:bodyPr>
         <a:lstStyle/>
         <a:p>
-          <a:pPr marL="0" lvl="0" indent="0" algn="ctr" defTabSz="755650">
+          <a:pPr marL="0" lvl="0" indent="0" algn="ctr" defTabSz="889000">
             <a:lnSpc>
               <a:spcPct val="90000"/>
             </a:lnSpc>
@@ -4875,14 +4730,14 @@
             <a:buNone/>
           </a:pPr>
           <a:r>
-            <a:rPr lang="en-US" sz="1700" kern="1200" dirty="0"/>
+            <a:rPr lang="en-US" sz="2000" kern="1200" dirty="0"/>
             <a:t>POJO</a:t>
           </a:r>
         </a:p>
       </dsp:txBody>
       <dsp:txXfrm>
-        <a:off x="2771411" y="648786"/>
-        <a:ext cx="795561" cy="3089723"/>
+        <a:off x="2771411" y="755416"/>
+        <a:ext cx="795561" cy="2980282"/>
       </dsp:txXfrm>
     </dsp:sp>
   </dsp:spTree>
@@ -13390,7 +13245,12 @@
             <p:ph type="title"/>
           </p:nvPr>
         </p:nvSpPr>
-        <p:spPr/>
+        <p:spPr>
+          <a:xfrm>
+            <a:off x="395872" y="337220"/>
+            <a:ext cx="8229600" cy="588409"/>
+          </a:xfrm>
+        </p:spPr>
         <p:txBody>
           <a:bodyPr/>
           <a:lstStyle/>
@@ -13412,13 +13272,13 @@
             <p:ph sz="half" idx="1"/>
             <p:extLst>
               <p:ext uri="{D42A27DB-BD31-4B8C-83A1-F6EECF244321}">
-                <p14:modId xmlns:p14="http://schemas.microsoft.com/office/powerpoint/2010/main" val="869215644"/>
+                <p14:modId xmlns:p14="http://schemas.microsoft.com/office/powerpoint/2010/main" val="3165607879"/>
               </p:ext>
             </p:extLst>
           </p:nvPr>
         </p:nvGraphicFramePr>
         <p:xfrm>
-          <a:off x="457200" y="1333500"/>
+          <a:off x="472072" y="1333238"/>
           <a:ext cx="4038600" cy="3771899"/>
         </p:xfrm>
         <a:graphic>
@@ -13527,10 +13387,9 @@
           <a:bodyPr/>
           <a:lstStyle/>
           <a:p>
-            <a:pPr algn="ctr"/>
             <a:r>
               <a:rPr lang="en-ZA" dirty="0"/>
-              <a:t>Demonstration</a:t>
+              <a:t>Requirements not met</a:t>
             </a:r>
           </a:p>
         </p:txBody>
@@ -13542,25 +13401,132 @@
             <a:spLocks noGrp="1"/>
           </p:cNvSpPr>
           <p:nvPr>
-            <p:ph idx="1"/>
+            <p:ph sz="half" idx="1"/>
           </p:nvPr>
         </p:nvSpPr>
         <p:spPr/>
         <p:txBody>
-          <a:bodyPr/>
+          <a:bodyPr>
+            <a:normAutofit fontScale="92500" lnSpcReduction="10000"/>
+          </a:bodyPr>
           <a:lstStyle/>
           <a:p>
             <a:pPr marL="0" indent="0">
               <a:buNone/>
             </a:pPr>
+            <a:r>
+              <a:rPr lang="en-ZA" dirty="0"/>
+              <a:t>Homepage:</a:t>
+            </a:r>
+          </a:p>
+          <a:p>
+            <a:r>
+              <a:rPr lang="en-ZA" dirty="0"/>
+              <a:t>Not attractive enough</a:t>
+            </a:r>
+          </a:p>
+          <a:p>
+            <a:pPr marL="0" indent="0">
+              <a:buNone/>
+            </a:pPr>
+            <a:r>
+              <a:rPr lang="en-ZA" dirty="0"/>
+              <a:t>Shopping cart:</a:t>
+            </a:r>
+          </a:p>
+          <a:p>
+            <a:r>
+              <a:rPr lang="en-ZA" dirty="0"/>
+              <a:t>Page reload on add</a:t>
+            </a:r>
+          </a:p>
+          <a:p>
+            <a:r>
+              <a:rPr lang="en-ZA" dirty="0"/>
+              <a:t>Update price</a:t>
+            </a:r>
+          </a:p>
+          <a:p>
+            <a:r>
+              <a:rPr lang="en-ZA" dirty="0"/>
+              <a:t>Should have specials</a:t>
+            </a:r>
+          </a:p>
+        </p:txBody>
+      </p:sp>
+      <p:sp>
+        <p:nvSpPr>
+          <p:cNvPr id="4" name="Content Placeholder 3"/>
+          <p:cNvSpPr>
+            <a:spLocks noGrp="1"/>
+          </p:cNvSpPr>
+          <p:nvPr>
+            <p:ph sz="half" idx="2"/>
+          </p:nvPr>
+        </p:nvSpPr>
+        <p:spPr/>
+        <p:txBody>
+          <a:bodyPr>
+            <a:normAutofit fontScale="92500" lnSpcReduction="10000"/>
+          </a:bodyPr>
+          <a:lstStyle/>
+          <a:p>
+            <a:pPr marL="0" indent="0">
+              <a:buNone/>
+            </a:pPr>
+            <a:r>
+              <a:rPr lang="en-ZA" dirty="0"/>
+              <a:t>Catalogue:</a:t>
+            </a:r>
+          </a:p>
+          <a:p>
+            <a:r>
+              <a:rPr lang="en-ZA" dirty="0"/>
+              <a:t>More relevant data per issue displayed</a:t>
+            </a:r>
+          </a:p>
+          <a:p>
+            <a:r>
+              <a:rPr lang="en-ZA" dirty="0"/>
+              <a:t>Paging could </a:t>
+            </a:r>
+            <a:r>
+              <a:rPr lang="en-ZA"/>
+              <a:t>be improve</a:t>
+            </a:r>
+            <a:r>
+              <a:rPr lang="en-ZA"/>
+              <a:t>d</a:t>
+            </a:r>
             <a:endParaRPr lang="en-ZA" dirty="0"/>
+          </a:p>
+          <a:p>
+            <a:pPr marL="0" indent="0">
+              <a:buNone/>
+            </a:pPr>
+            <a:r>
+              <a:rPr lang="en-ZA" dirty="0"/>
+              <a:t>Checkout:</a:t>
+            </a:r>
+          </a:p>
+          <a:p>
+            <a:r>
+              <a:rPr lang="en-ZA" dirty="0"/>
+              <a:t>Does not update DB</a:t>
+            </a:r>
+          </a:p>
+          <a:p>
+            <a:r>
+              <a:rPr lang="en-ZA" dirty="0"/>
+              <a:t>Should use a Mock service and stored procedure</a:t>
+            </a:r>
           </a:p>
         </p:txBody>
       </p:sp>
     </p:spTree>
     <p:extLst>
       <p:ext uri="{BB962C8B-B14F-4D97-AF65-F5344CB8AC3E}">
-        <p14:creationId xmlns:p14="http://schemas.microsoft.com/office/powerpoint/2010/main" val="3186071134"/>
+        <p14:creationId xmlns:p14="http://schemas.microsoft.com/office/powerpoint/2010/main" val="747290715"/>
       </p:ext>
     </p:extLst>
   </p:cSld>
@@ -13602,9 +13568,10 @@
           <a:bodyPr/>
           <a:lstStyle/>
           <a:p>
+            <a:pPr algn="ctr"/>
             <a:r>
               <a:rPr lang="en-ZA" dirty="0"/>
-              <a:t>Requirements not met</a:t>
+              <a:t>Demonstration</a:t>
             </a:r>
           </a:p>
         </p:txBody>
@@ -13616,117 +13583,25 @@
             <a:spLocks noGrp="1"/>
           </p:cNvSpPr>
           <p:nvPr>
-            <p:ph sz="half" idx="1"/>
+            <p:ph idx="1"/>
           </p:nvPr>
         </p:nvSpPr>
         <p:spPr/>
         <p:txBody>
-          <a:bodyPr>
-            <a:normAutofit lnSpcReduction="10000"/>
-          </a:bodyPr>
+          <a:bodyPr/>
           <a:lstStyle/>
           <a:p>
             <a:pPr marL="0" indent="0">
               <a:buNone/>
             </a:pPr>
-            <a:r>
-              <a:rPr lang="en-ZA" dirty="0"/>
-              <a:t>Homepage:</a:t>
-            </a:r>
-          </a:p>
-          <a:p>
-            <a:r>
-              <a:rPr lang="en-ZA" dirty="0"/>
-              <a:t>Not attractive enough</a:t>
-            </a:r>
-          </a:p>
-          <a:p>
-            <a:pPr marL="0" indent="0">
-              <a:buNone/>
-            </a:pPr>
-            <a:r>
-              <a:rPr lang="en-ZA" dirty="0"/>
-              <a:t>Shopping cart:</a:t>
-            </a:r>
-          </a:p>
-          <a:p>
-            <a:r>
-              <a:rPr lang="en-ZA" dirty="0"/>
-              <a:t>Page reload on add</a:t>
-            </a:r>
-          </a:p>
-          <a:p>
-            <a:r>
-              <a:rPr lang="en-ZA" dirty="0"/>
-              <a:t>Update price</a:t>
-            </a:r>
-          </a:p>
-          <a:p>
-            <a:r>
-              <a:rPr lang="en-ZA" dirty="0"/>
-              <a:t>Should have specials</a:t>
-            </a:r>
-          </a:p>
-        </p:txBody>
-      </p:sp>
-      <p:sp>
-        <p:nvSpPr>
-          <p:cNvPr id="4" name="Content Placeholder 3"/>
-          <p:cNvSpPr>
-            <a:spLocks noGrp="1"/>
-          </p:cNvSpPr>
-          <p:nvPr>
-            <p:ph sz="half" idx="2"/>
-          </p:nvPr>
-        </p:nvSpPr>
-        <p:spPr/>
-        <p:txBody>
-          <a:bodyPr>
-            <a:normAutofit lnSpcReduction="10000"/>
-          </a:bodyPr>
-          <a:lstStyle/>
-          <a:p>
-            <a:pPr marL="0" indent="0">
-              <a:buNone/>
-            </a:pPr>
-            <a:r>
-              <a:rPr lang="en-ZA" dirty="0"/>
-              <a:t>Catalogue:</a:t>
-            </a:r>
-          </a:p>
-          <a:p>
-            <a:r>
-              <a:rPr lang="en-ZA" dirty="0"/>
-              <a:t>More relevant data per issue displayed</a:t>
-            </a:r>
-          </a:p>
-          <a:p>
-            <a:pPr marL="0" indent="0">
-              <a:buNone/>
-            </a:pPr>
-            <a:r>
-              <a:rPr lang="en-ZA" dirty="0"/>
-              <a:t>Checkout:</a:t>
-            </a:r>
-          </a:p>
-          <a:p>
-            <a:r>
-              <a:rPr lang="en-ZA" dirty="0"/>
-              <a:t>Does not update DB</a:t>
-            </a:r>
-          </a:p>
-          <a:p>
-            <a:r>
-              <a:rPr lang="en-ZA" dirty="0"/>
-              <a:t>Should use a Mock service and stored procedure</a:t>
-            </a:r>
+            <a:endParaRPr lang="en-ZA" dirty="0"/>
           </a:p>
         </p:txBody>
       </p:sp>
     </p:spTree>
     <p:extLst>
       <p:ext uri="{BB962C8B-B14F-4D97-AF65-F5344CB8AC3E}">
-        <p14:creationId xmlns:p14="http://schemas.microsoft.com/office/powerpoint/2010/main" val="747290715"/>
+        <p14:creationId xmlns:p14="http://schemas.microsoft.com/office/powerpoint/2010/main" val="3186071134"/>
       </p:ext>
     </p:extLst>
   </p:cSld>
